--- a/sctm146-proekt-unrvk-11.pptx
+++ b/sctm146-proekt-unrvk-11.pptx
@@ -10,10 +10,10 @@
     <p:sldId id="269" r:id="rId4"/>
     <p:sldId id="270" r:id="rId5"/>
     <p:sldId id="267" r:id="rId6"/>
-    <p:sldId id="271" r:id="rId7"/>
-    <p:sldId id="273" r:id="rId8"/>
-    <p:sldId id="272" r:id="rId9"/>
-    <p:sldId id="274" r:id="rId10"/>
+    <p:sldId id="274" r:id="rId7"/>
+    <p:sldId id="271" r:id="rId8"/>
+    <p:sldId id="273" r:id="rId9"/>
+    <p:sldId id="272" r:id="rId10"/>
     <p:sldId id="275" r:id="rId11"/>
     <p:sldId id="268" r:id="rId12"/>
     <p:sldId id="277" r:id="rId13"/>
@@ -6866,6 +6866,353 @@
           </a:p>
         </p:txBody>
       </p:sp>
+      <p:pic>
+        <p:nvPicPr>
+          <p:cNvPr id="3" name="Picture 2" descr="Diagram&#10;&#10;Description automatically generated">
+            <a:extLst>
+              <a:ext uri="{FF2B5EF4-FFF2-40B4-BE49-F238E27FC236}">
+                <a16:creationId xmlns:a16="http://schemas.microsoft.com/office/drawing/2014/main" id="{D30F4A9E-4DCD-B441-9CFC-54E1ECD614DA}"/>
+              </a:ext>
+            </a:extLst>
+          </p:cNvPr>
+          <p:cNvPicPr>
+            <a:picLocks noChangeAspect="1"/>
+          </p:cNvPicPr>
+          <p:nvPr/>
+        </p:nvPicPr>
+        <p:blipFill>
+          <a:blip r:embed="rId2"/>
+          <a:stretch>
+            <a:fillRect/>
+          </a:stretch>
+        </p:blipFill>
+        <p:spPr>
+          <a:xfrm>
+            <a:off x="5906845" y="1111178"/>
+            <a:ext cx="4535424" cy="4535424"/>
+          </a:xfrm>
+          <a:prstGeom prst="rect">
+            <a:avLst/>
+          </a:prstGeom>
+        </p:spPr>
+      </p:pic>
+      <p:sp>
+        <p:nvSpPr>
+          <p:cNvPr id="8" name="TextBox 7">
+            <a:extLst>
+              <a:ext uri="{FF2B5EF4-FFF2-40B4-BE49-F238E27FC236}">
+                <a16:creationId xmlns:a16="http://schemas.microsoft.com/office/drawing/2014/main" id="{0BBB252A-E388-A04F-8AE0-45BF4B312D81}"/>
+              </a:ext>
+            </a:extLst>
+          </p:cNvPr>
+          <p:cNvSpPr txBox="1"/>
+          <p:nvPr/>
+        </p:nvSpPr>
+        <p:spPr>
+          <a:xfrm>
+            <a:off x="430306" y="6061554"/>
+            <a:ext cx="11312865" cy="338554"/>
+          </a:xfrm>
+          <a:prstGeom prst="rect">
+            <a:avLst/>
+          </a:prstGeom>
+          <a:noFill/>
+          <a:ln>
+            <a:solidFill>
+              <a:schemeClr val="tx1"/>
+            </a:solidFill>
+          </a:ln>
+        </p:spPr>
+        <p:txBody>
+          <a:bodyPr wrap="square" rtlCol="0">
+            <a:spAutoFit/>
+          </a:bodyPr>
+          <a:lstStyle/>
+          <a:p>
+            <a:r>
+              <a:rPr lang="bg-BG" sz="800" dirty="0"/>
+              <a:t>Референции:</a:t>
+            </a:r>
+            <a:endParaRPr lang="en-GB" sz="800" dirty="0"/>
+          </a:p>
+          <a:p>
+            <a:r>
+              <a:rPr lang="en-GB" sz="800" dirty="0">
+                <a:hlinkClick r:id="rId3"/>
+              </a:rPr>
+              <a:t>https://www.cisa.gov/uscert/apache-log4j-vulnerability-guidance</a:t>
+            </a:r>
+            <a:endParaRPr lang="en-GB" sz="800" dirty="0"/>
+          </a:p>
+        </p:txBody>
+      </p:sp>
+      <p:sp>
+        <p:nvSpPr>
+          <p:cNvPr id="2" name="TextBox 1">
+            <a:extLst>
+              <a:ext uri="{FF2B5EF4-FFF2-40B4-BE49-F238E27FC236}">
+                <a16:creationId xmlns:a16="http://schemas.microsoft.com/office/drawing/2014/main" id="{5E53A8EC-6538-774B-85CA-A80B2E9C80D9}"/>
+              </a:ext>
+            </a:extLst>
+          </p:cNvPr>
+          <p:cNvSpPr txBox="1"/>
+          <p:nvPr/>
+        </p:nvSpPr>
+        <p:spPr>
+          <a:xfrm>
+            <a:off x="439567" y="1252479"/>
+            <a:ext cx="4419600" cy="646331"/>
+          </a:xfrm>
+          <a:prstGeom prst="rect">
+            <a:avLst/>
+          </a:prstGeom>
+          <a:noFill/>
+        </p:spPr>
+        <p:txBody>
+          <a:bodyPr wrap="square" rtlCol="0">
+            <a:spAutoFit/>
+          </a:bodyPr>
+          <a:lstStyle/>
+          <a:p>
+            <a:r>
+              <a:rPr lang="bg" dirty="0"/>
+              <a:t>Диаграма за определяне на уязвимите продукти и услуги </a:t>
+            </a:r>
+            <a:r>
+              <a:rPr lang="bg-BG" dirty="0"/>
+              <a:t>с</a:t>
+            </a:r>
+            <a:r>
+              <a:rPr lang="bg" dirty="0"/>
+              <a:t> </a:t>
+            </a:r>
+            <a:r>
+              <a:rPr lang="en-GB" dirty="0"/>
+              <a:t>Log4j</a:t>
+            </a:r>
+            <a:r>
+              <a:rPr lang="bg-BG" dirty="0"/>
+              <a:t>.</a:t>
+            </a:r>
+            <a:endParaRPr lang="en-GB" dirty="0"/>
+          </a:p>
+        </p:txBody>
+      </p:sp>
+    </p:spTree>
+    <p:extLst>
+      <p:ext uri="{BB962C8B-B14F-4D97-AF65-F5344CB8AC3E}">
+        <p14:creationId xmlns:p14="http://schemas.microsoft.com/office/powerpoint/2010/main" val="2409400845"/>
+      </p:ext>
+    </p:extLst>
+  </p:cSld>
+  <p:clrMapOvr>
+    <a:masterClrMapping/>
+  </p:clrMapOvr>
+</p:sld>
+</file>
+
+<file path=ppt/slides/slide7.xml><?xml version="1.0" encoding="utf-8"?>
+<p:sld xmlns:a="http://schemas.openxmlformats.org/drawingml/2006/main" xmlns:r="http://schemas.openxmlformats.org/officeDocument/2006/relationships" xmlns:p="http://schemas.openxmlformats.org/presentationml/2006/main">
+  <p:cSld>
+    <p:spTree>
+      <p:nvGrpSpPr>
+        <p:cNvPr id="1" name=""/>
+        <p:cNvGrpSpPr/>
+        <p:nvPr/>
+      </p:nvGrpSpPr>
+      <p:grpSpPr>
+        <a:xfrm>
+          <a:off x="0" y="0"/>
+          <a:ext cx="0" cy="0"/>
+          <a:chOff x="0" y="0"/>
+          <a:chExt cx="0" cy="0"/>
+        </a:xfrm>
+      </p:grpSpPr>
+      <p:sp>
+        <p:nvSpPr>
+          <p:cNvPr id="4" name="Rectangle 3">
+            <a:extLst>
+              <a:ext uri="{FF2B5EF4-FFF2-40B4-BE49-F238E27FC236}">
+                <a16:creationId xmlns:a16="http://schemas.microsoft.com/office/drawing/2014/main" id="{CF8BCCF9-8A09-4548-9D81-3F19262CD326}"/>
+              </a:ext>
+            </a:extLst>
+          </p:cNvPr>
+          <p:cNvSpPr/>
+          <p:nvPr/>
+        </p:nvSpPr>
+        <p:spPr>
+          <a:xfrm>
+            <a:off x="365256" y="317395"/>
+            <a:ext cx="11509348" cy="528992"/>
+          </a:xfrm>
+          <a:prstGeom prst="rect">
+            <a:avLst/>
+          </a:prstGeom>
+          <a:noFill/>
+          <a:ln>
+            <a:solidFill>
+              <a:schemeClr val="tx1"/>
+            </a:solidFill>
+          </a:ln>
+        </p:spPr>
+        <p:style>
+          <a:lnRef idx="2">
+            <a:schemeClr val="accent6"/>
+          </a:lnRef>
+          <a:fillRef idx="1">
+            <a:schemeClr val="lt1"/>
+          </a:fillRef>
+          <a:effectRef idx="0">
+            <a:schemeClr val="accent6"/>
+          </a:effectRef>
+          <a:fontRef idx="minor">
+            <a:schemeClr val="dk1"/>
+          </a:fontRef>
+        </p:style>
+        <p:txBody>
+          <a:bodyPr rtlCol="0" anchor="ctr"/>
+          <a:lstStyle/>
+          <a:p>
+            <a:pPr algn="ctr"/>
+            <a:endParaRPr lang="en-GB"/>
+          </a:p>
+        </p:txBody>
+      </p:sp>
+      <p:sp>
+        <p:nvSpPr>
+          <p:cNvPr id="6" name="Rectangle 5">
+            <a:extLst>
+              <a:ext uri="{FF2B5EF4-FFF2-40B4-BE49-F238E27FC236}">
+                <a16:creationId xmlns:a16="http://schemas.microsoft.com/office/drawing/2014/main" id="{674060E9-ADD7-5340-9708-92DFAE845D40}"/>
+              </a:ext>
+            </a:extLst>
+          </p:cNvPr>
+          <p:cNvSpPr/>
+          <p:nvPr/>
+        </p:nvSpPr>
+        <p:spPr>
+          <a:xfrm>
+            <a:off x="365256" y="1111178"/>
+            <a:ext cx="11509348" cy="4635643"/>
+          </a:xfrm>
+          <a:prstGeom prst="rect">
+            <a:avLst/>
+          </a:prstGeom>
+          <a:noFill/>
+          <a:ln>
+            <a:solidFill>
+              <a:schemeClr val="tx1"/>
+            </a:solidFill>
+          </a:ln>
+        </p:spPr>
+        <p:style>
+          <a:lnRef idx="2">
+            <a:schemeClr val="accent6"/>
+          </a:lnRef>
+          <a:fillRef idx="1">
+            <a:schemeClr val="lt1"/>
+          </a:fillRef>
+          <a:effectRef idx="0">
+            <a:schemeClr val="accent6"/>
+          </a:effectRef>
+          <a:fontRef idx="minor">
+            <a:schemeClr val="dk1"/>
+          </a:fontRef>
+        </p:style>
+        <p:txBody>
+          <a:bodyPr rtlCol="0" anchor="ctr"/>
+          <a:lstStyle/>
+          <a:p>
+            <a:pPr algn="ctr"/>
+            <a:endParaRPr lang="en-GB"/>
+          </a:p>
+        </p:txBody>
+      </p:sp>
+      <p:sp>
+        <p:nvSpPr>
+          <p:cNvPr id="7" name="Rectangle 6">
+            <a:extLst>
+              <a:ext uri="{FF2B5EF4-FFF2-40B4-BE49-F238E27FC236}">
+                <a16:creationId xmlns:a16="http://schemas.microsoft.com/office/drawing/2014/main" id="{CB0AEC85-DDEC-A948-89DB-C29E427A1882}"/>
+              </a:ext>
+            </a:extLst>
+          </p:cNvPr>
+          <p:cNvSpPr/>
+          <p:nvPr/>
+        </p:nvSpPr>
+        <p:spPr>
+          <a:xfrm>
+            <a:off x="365256" y="6011613"/>
+            <a:ext cx="11509348" cy="528992"/>
+          </a:xfrm>
+          <a:prstGeom prst="rect">
+            <a:avLst/>
+          </a:prstGeom>
+          <a:noFill/>
+          <a:ln>
+            <a:solidFill>
+              <a:schemeClr val="tx1"/>
+            </a:solidFill>
+          </a:ln>
+        </p:spPr>
+        <p:style>
+          <a:lnRef idx="2">
+            <a:schemeClr val="accent6"/>
+          </a:lnRef>
+          <a:fillRef idx="1">
+            <a:schemeClr val="lt1"/>
+          </a:fillRef>
+          <a:effectRef idx="0">
+            <a:schemeClr val="accent6"/>
+          </a:effectRef>
+          <a:fontRef idx="minor">
+            <a:schemeClr val="dk1"/>
+          </a:fontRef>
+        </p:style>
+        <p:txBody>
+          <a:bodyPr rtlCol="0" anchor="ctr"/>
+          <a:lstStyle/>
+          <a:p>
+            <a:pPr algn="ctr"/>
+            <a:endParaRPr lang="en-GB"/>
+          </a:p>
+        </p:txBody>
+      </p:sp>
+      <p:sp>
+        <p:nvSpPr>
+          <p:cNvPr id="12" name="TextBox 11">
+            <a:extLst>
+              <a:ext uri="{FF2B5EF4-FFF2-40B4-BE49-F238E27FC236}">
+                <a16:creationId xmlns:a16="http://schemas.microsoft.com/office/drawing/2014/main" id="{358E67CA-3C95-FF40-86BC-C555D6D7696D}"/>
+              </a:ext>
+            </a:extLst>
+          </p:cNvPr>
+          <p:cNvSpPr txBox="1"/>
+          <p:nvPr/>
+        </p:nvSpPr>
+        <p:spPr>
+          <a:xfrm>
+            <a:off x="439567" y="1166842"/>
+            <a:ext cx="11312865" cy="338554"/>
+          </a:xfrm>
+          <a:prstGeom prst="rect">
+            <a:avLst/>
+          </a:prstGeom>
+          <a:noFill/>
+          <a:ln>
+            <a:noFill/>
+          </a:ln>
+        </p:spPr>
+        <p:txBody>
+          <a:bodyPr wrap="square" rtlCol="0">
+            <a:spAutoFit/>
+          </a:bodyPr>
+          <a:lstStyle/>
+          <a:p>
+            <a:endParaRPr lang="en-GB" sz="1600" dirty="0"/>
+          </a:p>
+        </p:txBody>
+      </p:sp>
       <p:sp>
         <p:nvSpPr>
           <p:cNvPr id="8" name="TextBox 7">
@@ -8769,7 +9116,7 @@
 </p:sld>
 </file>
 
-<file path=ppt/slides/slide7.xml><?xml version="1.0" encoding="utf-8"?>
+<file path=ppt/slides/slide8.xml><?xml version="1.0" encoding="utf-8"?>
 <p:sld xmlns:a="http://schemas.openxmlformats.org/drawingml/2006/main" xmlns:r="http://schemas.openxmlformats.org/officeDocument/2006/relationships" xmlns:p="http://schemas.openxmlformats.org/presentationml/2006/main">
   <p:cSld>
     <p:spTree>
@@ -11056,1618 +11403,6 @@
     <p:extLst>
       <p:ext uri="{BB962C8B-B14F-4D97-AF65-F5344CB8AC3E}">
         <p14:creationId xmlns:p14="http://schemas.microsoft.com/office/powerpoint/2010/main" val="1671606738"/>
-      </p:ext>
-    </p:extLst>
-  </p:cSld>
-  <p:clrMapOvr>
-    <a:masterClrMapping/>
-  </p:clrMapOvr>
-</p:sld>
-</file>
-
-<file path=ppt/slides/slide8.xml><?xml version="1.0" encoding="utf-8"?>
-<p:sld xmlns:a="http://schemas.openxmlformats.org/drawingml/2006/main" xmlns:r="http://schemas.openxmlformats.org/officeDocument/2006/relationships" xmlns:p="http://schemas.openxmlformats.org/presentationml/2006/main">
-  <p:cSld>
-    <p:spTree>
-      <p:nvGrpSpPr>
-        <p:cNvPr id="1" name=""/>
-        <p:cNvGrpSpPr/>
-        <p:nvPr/>
-      </p:nvGrpSpPr>
-      <p:grpSpPr>
-        <a:xfrm>
-          <a:off x="0" y="0"/>
-          <a:ext cx="0" cy="0"/>
-          <a:chOff x="0" y="0"/>
-          <a:chExt cx="0" cy="0"/>
-        </a:xfrm>
-      </p:grpSpPr>
-      <p:sp>
-        <p:nvSpPr>
-          <p:cNvPr id="4" name="Rectangle 3">
-            <a:extLst>
-              <a:ext uri="{FF2B5EF4-FFF2-40B4-BE49-F238E27FC236}">
-                <a16:creationId xmlns:a16="http://schemas.microsoft.com/office/drawing/2014/main" id="{CF8BCCF9-8A09-4548-9D81-3F19262CD326}"/>
-              </a:ext>
-            </a:extLst>
-          </p:cNvPr>
-          <p:cNvSpPr/>
-          <p:nvPr/>
-        </p:nvSpPr>
-        <p:spPr>
-          <a:xfrm>
-            <a:off x="365256" y="317395"/>
-            <a:ext cx="11509348" cy="528992"/>
-          </a:xfrm>
-          <a:prstGeom prst="rect">
-            <a:avLst/>
-          </a:prstGeom>
-          <a:noFill/>
-          <a:ln>
-            <a:solidFill>
-              <a:schemeClr val="tx1"/>
-            </a:solidFill>
-          </a:ln>
-        </p:spPr>
-        <p:style>
-          <a:lnRef idx="2">
-            <a:schemeClr val="accent6"/>
-          </a:lnRef>
-          <a:fillRef idx="1">
-            <a:schemeClr val="lt1"/>
-          </a:fillRef>
-          <a:effectRef idx="0">
-            <a:schemeClr val="accent6"/>
-          </a:effectRef>
-          <a:fontRef idx="minor">
-            <a:schemeClr val="dk1"/>
-          </a:fontRef>
-        </p:style>
-        <p:txBody>
-          <a:bodyPr rtlCol="0" anchor="ctr"/>
-          <a:lstStyle/>
-          <a:p>
-            <a:pPr algn="ctr"/>
-            <a:endParaRPr lang="en-GB"/>
-          </a:p>
-        </p:txBody>
-      </p:sp>
-      <p:sp>
-        <p:nvSpPr>
-          <p:cNvPr id="6" name="Rectangle 5">
-            <a:extLst>
-              <a:ext uri="{FF2B5EF4-FFF2-40B4-BE49-F238E27FC236}">
-                <a16:creationId xmlns:a16="http://schemas.microsoft.com/office/drawing/2014/main" id="{674060E9-ADD7-5340-9708-92DFAE845D40}"/>
-              </a:ext>
-            </a:extLst>
-          </p:cNvPr>
-          <p:cNvSpPr/>
-          <p:nvPr/>
-        </p:nvSpPr>
-        <p:spPr>
-          <a:xfrm>
-            <a:off x="365256" y="1111178"/>
-            <a:ext cx="11509348" cy="4635643"/>
-          </a:xfrm>
-          <a:prstGeom prst="rect">
-            <a:avLst/>
-          </a:prstGeom>
-          <a:noFill/>
-          <a:ln>
-            <a:solidFill>
-              <a:schemeClr val="tx1"/>
-            </a:solidFill>
-          </a:ln>
-        </p:spPr>
-        <p:style>
-          <a:lnRef idx="2">
-            <a:schemeClr val="accent6"/>
-          </a:lnRef>
-          <a:fillRef idx="1">
-            <a:schemeClr val="lt1"/>
-          </a:fillRef>
-          <a:effectRef idx="0">
-            <a:schemeClr val="accent6"/>
-          </a:effectRef>
-          <a:fontRef idx="minor">
-            <a:schemeClr val="dk1"/>
-          </a:fontRef>
-        </p:style>
-        <p:txBody>
-          <a:bodyPr rtlCol="0" anchor="ctr"/>
-          <a:lstStyle/>
-          <a:p>
-            <a:pPr algn="ctr"/>
-            <a:endParaRPr lang="en-GB"/>
-          </a:p>
-        </p:txBody>
-      </p:sp>
-      <p:sp>
-        <p:nvSpPr>
-          <p:cNvPr id="7" name="Rectangle 6">
-            <a:extLst>
-              <a:ext uri="{FF2B5EF4-FFF2-40B4-BE49-F238E27FC236}">
-                <a16:creationId xmlns:a16="http://schemas.microsoft.com/office/drawing/2014/main" id="{CB0AEC85-DDEC-A948-89DB-C29E427A1882}"/>
-              </a:ext>
-            </a:extLst>
-          </p:cNvPr>
-          <p:cNvSpPr/>
-          <p:nvPr/>
-        </p:nvSpPr>
-        <p:spPr>
-          <a:xfrm>
-            <a:off x="365256" y="6011613"/>
-            <a:ext cx="11509348" cy="528992"/>
-          </a:xfrm>
-          <a:prstGeom prst="rect">
-            <a:avLst/>
-          </a:prstGeom>
-          <a:noFill/>
-          <a:ln>
-            <a:solidFill>
-              <a:schemeClr val="tx1"/>
-            </a:solidFill>
-          </a:ln>
-        </p:spPr>
-        <p:style>
-          <a:lnRef idx="2">
-            <a:schemeClr val="accent6"/>
-          </a:lnRef>
-          <a:fillRef idx="1">
-            <a:schemeClr val="lt1"/>
-          </a:fillRef>
-          <a:effectRef idx="0">
-            <a:schemeClr val="accent6"/>
-          </a:effectRef>
-          <a:fontRef idx="minor">
-            <a:schemeClr val="dk1"/>
-          </a:fontRef>
-        </p:style>
-        <p:txBody>
-          <a:bodyPr rtlCol="0" anchor="ctr"/>
-          <a:lstStyle/>
-          <a:p>
-            <a:pPr algn="ctr"/>
-            <a:endParaRPr lang="en-GB"/>
-          </a:p>
-        </p:txBody>
-      </p:sp>
-      <p:sp>
-        <p:nvSpPr>
-          <p:cNvPr id="12" name="TextBox 11">
-            <a:extLst>
-              <a:ext uri="{FF2B5EF4-FFF2-40B4-BE49-F238E27FC236}">
-                <a16:creationId xmlns:a16="http://schemas.microsoft.com/office/drawing/2014/main" id="{358E67CA-3C95-FF40-86BC-C555D6D7696D}"/>
-              </a:ext>
-            </a:extLst>
-          </p:cNvPr>
-          <p:cNvSpPr txBox="1"/>
-          <p:nvPr/>
-        </p:nvSpPr>
-        <p:spPr>
-          <a:xfrm>
-            <a:off x="439567" y="1166842"/>
-            <a:ext cx="11312865" cy="338554"/>
-          </a:xfrm>
-          <a:prstGeom prst="rect">
-            <a:avLst/>
-          </a:prstGeom>
-          <a:noFill/>
-          <a:ln>
-            <a:noFill/>
-          </a:ln>
-        </p:spPr>
-        <p:txBody>
-          <a:bodyPr wrap="square" rtlCol="0">
-            <a:spAutoFit/>
-          </a:bodyPr>
-          <a:lstStyle/>
-          <a:p>
-            <a:endParaRPr lang="en-GB" sz="1600" dirty="0"/>
-          </a:p>
-        </p:txBody>
-      </p:sp>
-      <p:sp>
-        <p:nvSpPr>
-          <p:cNvPr id="8" name="Card 7">
-            <a:extLst>
-              <a:ext uri="{FF2B5EF4-FFF2-40B4-BE49-F238E27FC236}">
-                <a16:creationId xmlns:a16="http://schemas.microsoft.com/office/drawing/2014/main" id="{83AE707E-5960-B349-895E-8DB3531A0ACD}"/>
-              </a:ext>
-            </a:extLst>
-          </p:cNvPr>
-          <p:cNvSpPr/>
-          <p:nvPr/>
-        </p:nvSpPr>
-        <p:spPr>
-          <a:xfrm>
-            <a:off x="1392256" y="1286569"/>
-            <a:ext cx="525170" cy="614515"/>
-          </a:xfrm>
-          <a:prstGeom prst="flowChartPunchedCard">
-            <a:avLst/>
-          </a:prstGeom>
-          <a:solidFill>
-            <a:srgbClr val="00B050"/>
-          </a:solidFill>
-        </p:spPr>
-        <p:style>
-          <a:lnRef idx="2">
-            <a:schemeClr val="accent6"/>
-          </a:lnRef>
-          <a:fillRef idx="1">
-            <a:schemeClr val="lt1"/>
-          </a:fillRef>
-          <a:effectRef idx="0">
-            <a:schemeClr val="accent6"/>
-          </a:effectRef>
-          <a:fontRef idx="minor">
-            <a:schemeClr val="dk1"/>
-          </a:fontRef>
-        </p:style>
-        <p:txBody>
-          <a:bodyPr rtlCol="0" anchor="ctr"/>
-          <a:lstStyle/>
-          <a:p>
-            <a:r>
-              <a:rPr lang="en-GB" sz="1200" b="1" dirty="0"/>
-              <a:t>POM</a:t>
-            </a:r>
-          </a:p>
-        </p:txBody>
-      </p:sp>
-      <p:sp>
-        <p:nvSpPr>
-          <p:cNvPr id="9" name="Card 8">
-            <a:extLst>
-              <a:ext uri="{FF2B5EF4-FFF2-40B4-BE49-F238E27FC236}">
-                <a16:creationId xmlns:a16="http://schemas.microsoft.com/office/drawing/2014/main" id="{A151DF3E-E06D-0348-A204-81ACA9862DAF}"/>
-              </a:ext>
-            </a:extLst>
-          </p:cNvPr>
-          <p:cNvSpPr/>
-          <p:nvPr/>
-        </p:nvSpPr>
-        <p:spPr>
-          <a:xfrm>
-            <a:off x="9546555" y="1286569"/>
-            <a:ext cx="525170" cy="614515"/>
-          </a:xfrm>
-          <a:prstGeom prst="flowChartPunchedCard">
-            <a:avLst/>
-          </a:prstGeom>
-          <a:solidFill>
-            <a:srgbClr val="00B050"/>
-          </a:solidFill>
-        </p:spPr>
-        <p:style>
-          <a:lnRef idx="2">
-            <a:schemeClr val="accent6"/>
-          </a:lnRef>
-          <a:fillRef idx="1">
-            <a:schemeClr val="lt1"/>
-          </a:fillRef>
-          <a:effectRef idx="0">
-            <a:schemeClr val="accent6"/>
-          </a:effectRef>
-          <a:fontRef idx="minor">
-            <a:schemeClr val="dk1"/>
-          </a:fontRef>
-        </p:style>
-        <p:txBody>
-          <a:bodyPr rtlCol="0" anchor="ctr"/>
-          <a:lstStyle/>
-          <a:p>
-            <a:r>
-              <a:rPr lang="en-GB" sz="1200" b="1" dirty="0"/>
-              <a:t>POM</a:t>
-            </a:r>
-          </a:p>
-        </p:txBody>
-      </p:sp>
-      <p:sp>
-        <p:nvSpPr>
-          <p:cNvPr id="10" name="Card 9">
-            <a:extLst>
-              <a:ext uri="{FF2B5EF4-FFF2-40B4-BE49-F238E27FC236}">
-                <a16:creationId xmlns:a16="http://schemas.microsoft.com/office/drawing/2014/main" id="{90A73293-8A06-0949-B82A-17FA6B5980A5}"/>
-              </a:ext>
-            </a:extLst>
-          </p:cNvPr>
-          <p:cNvSpPr/>
-          <p:nvPr/>
-        </p:nvSpPr>
-        <p:spPr>
-          <a:xfrm>
-            <a:off x="615782" y="2844259"/>
-            <a:ext cx="525170" cy="614515"/>
-          </a:xfrm>
-          <a:prstGeom prst="flowChartPunchedCard">
-            <a:avLst/>
-          </a:prstGeom>
-          <a:solidFill>
-            <a:srgbClr val="00B050"/>
-          </a:solidFill>
-        </p:spPr>
-        <p:style>
-          <a:lnRef idx="2">
-            <a:schemeClr val="accent6"/>
-          </a:lnRef>
-          <a:fillRef idx="1">
-            <a:schemeClr val="lt1"/>
-          </a:fillRef>
-          <a:effectRef idx="0">
-            <a:schemeClr val="accent6"/>
-          </a:effectRef>
-          <a:fontRef idx="minor">
-            <a:schemeClr val="dk1"/>
-          </a:fontRef>
-        </p:style>
-        <p:txBody>
-          <a:bodyPr rtlCol="0" anchor="ctr"/>
-          <a:lstStyle/>
-          <a:p>
-            <a:r>
-              <a:rPr lang="en-GB" sz="1200" b="1" dirty="0"/>
-              <a:t>………………………</a:t>
-            </a:r>
-          </a:p>
-        </p:txBody>
-      </p:sp>
-      <p:sp>
-        <p:nvSpPr>
-          <p:cNvPr id="13" name="Card 12">
-            <a:extLst>
-              <a:ext uri="{FF2B5EF4-FFF2-40B4-BE49-F238E27FC236}">
-                <a16:creationId xmlns:a16="http://schemas.microsoft.com/office/drawing/2014/main" id="{86FEDE95-4201-A545-97F6-AD7C1B7272D4}"/>
-              </a:ext>
-            </a:extLst>
-          </p:cNvPr>
-          <p:cNvSpPr/>
-          <p:nvPr/>
-        </p:nvSpPr>
-        <p:spPr>
-          <a:xfrm>
-            <a:off x="2176539" y="2844260"/>
-            <a:ext cx="525170" cy="614515"/>
-          </a:xfrm>
-          <a:prstGeom prst="flowChartPunchedCard">
-            <a:avLst/>
-          </a:prstGeom>
-          <a:solidFill>
-            <a:srgbClr val="00B050"/>
-          </a:solidFill>
-        </p:spPr>
-        <p:style>
-          <a:lnRef idx="2">
-            <a:schemeClr val="accent6"/>
-          </a:lnRef>
-          <a:fillRef idx="1">
-            <a:schemeClr val="lt1"/>
-          </a:fillRef>
-          <a:effectRef idx="0">
-            <a:schemeClr val="accent6"/>
-          </a:effectRef>
-          <a:fontRef idx="minor">
-            <a:schemeClr val="dk1"/>
-          </a:fontRef>
-        </p:style>
-        <p:txBody>
-          <a:bodyPr rtlCol="0" anchor="ctr"/>
-          <a:lstStyle/>
-          <a:p>
-            <a:r>
-              <a:rPr lang="en-GB" sz="1200" b="1" dirty="0"/>
-              <a:t>………………………</a:t>
-            </a:r>
-          </a:p>
-        </p:txBody>
-      </p:sp>
-      <p:sp>
-        <p:nvSpPr>
-          <p:cNvPr id="3" name="Rectangle 2">
-            <a:extLst>
-              <a:ext uri="{FF2B5EF4-FFF2-40B4-BE49-F238E27FC236}">
-                <a16:creationId xmlns:a16="http://schemas.microsoft.com/office/drawing/2014/main" id="{DEFEB219-894A-7842-925C-1402698F65F6}"/>
-              </a:ext>
-            </a:extLst>
-          </p:cNvPr>
-          <p:cNvSpPr/>
-          <p:nvPr/>
-        </p:nvSpPr>
-        <p:spPr>
-          <a:xfrm>
-            <a:off x="2379359" y="1432602"/>
-            <a:ext cx="2674189" cy="307258"/>
-          </a:xfrm>
-          <a:prstGeom prst="rect">
-            <a:avLst/>
-          </a:prstGeom>
-          <a:solidFill>
-            <a:srgbClr val="00B050"/>
-          </a:solidFill>
-          <a:ln w="19050">
-            <a:prstDash val="dash"/>
-          </a:ln>
-        </p:spPr>
-        <p:style>
-          <a:lnRef idx="2">
-            <a:schemeClr val="accent6"/>
-          </a:lnRef>
-          <a:fillRef idx="1">
-            <a:schemeClr val="lt1"/>
-          </a:fillRef>
-          <a:effectRef idx="0">
-            <a:schemeClr val="accent6"/>
-          </a:effectRef>
-          <a:fontRef idx="minor">
-            <a:schemeClr val="dk1"/>
-          </a:fontRef>
-        </p:style>
-        <p:txBody>
-          <a:bodyPr rtlCol="0" anchor="ctr"/>
-          <a:lstStyle/>
-          <a:p>
-            <a:pPr algn="ctr"/>
-            <a:r>
-              <a:rPr lang="en-GB" sz="1000" dirty="0"/>
-              <a:t>org.apache.logging.log4j:log4j-core:</a:t>
-            </a:r>
-            <a:r>
-              <a:rPr lang="en-GB" sz="1000" dirty="0">
-                <a:highlight>
-                  <a:srgbClr val="00FF00"/>
-                </a:highlight>
-              </a:rPr>
-              <a:t>2.17.0</a:t>
-            </a:r>
-          </a:p>
-        </p:txBody>
-      </p:sp>
-      <p:cxnSp>
-        <p:nvCxnSpPr>
-          <p:cNvPr id="14" name="Straight Connector 13">
-            <a:extLst>
-              <a:ext uri="{FF2B5EF4-FFF2-40B4-BE49-F238E27FC236}">
-                <a16:creationId xmlns:a16="http://schemas.microsoft.com/office/drawing/2014/main" id="{175BE92A-72DC-094A-9E49-5A95FC847E11}"/>
-              </a:ext>
-            </a:extLst>
-          </p:cNvPr>
-          <p:cNvCxnSpPr>
-            <a:stCxn id="8" idx="3"/>
-            <a:endCxn id="3" idx="1"/>
-          </p:cNvCxnSpPr>
-          <p:nvPr/>
-        </p:nvCxnSpPr>
-        <p:spPr>
-          <a:xfrm flipV="1">
-            <a:off x="1917426" y="1586231"/>
-            <a:ext cx="461933" cy="7596"/>
-          </a:xfrm>
-          <a:prstGeom prst="line">
-            <a:avLst/>
-          </a:prstGeom>
-          <a:ln w="19050">
-            <a:solidFill>
-              <a:schemeClr val="tx1"/>
-            </a:solidFill>
-            <a:prstDash val="dash"/>
-          </a:ln>
-        </p:spPr>
-        <p:style>
-          <a:lnRef idx="1">
-            <a:schemeClr val="accent1"/>
-          </a:lnRef>
-          <a:fillRef idx="0">
-            <a:schemeClr val="accent1"/>
-          </a:fillRef>
-          <a:effectRef idx="0">
-            <a:schemeClr val="accent1"/>
-          </a:effectRef>
-          <a:fontRef idx="minor">
-            <a:schemeClr val="tx1"/>
-          </a:fontRef>
-        </p:style>
-      </p:cxnSp>
-      <p:sp>
-        <p:nvSpPr>
-          <p:cNvPr id="16" name="Rectangle 15">
-            <a:extLst>
-              <a:ext uri="{FF2B5EF4-FFF2-40B4-BE49-F238E27FC236}">
-                <a16:creationId xmlns:a16="http://schemas.microsoft.com/office/drawing/2014/main" id="{CD930F30-B32E-E540-B8D2-AE7A4CB7A450}"/>
-              </a:ext>
-            </a:extLst>
-          </p:cNvPr>
-          <p:cNvSpPr/>
-          <p:nvPr/>
-        </p:nvSpPr>
-        <p:spPr>
-          <a:xfrm>
-            <a:off x="1566112" y="3924311"/>
-            <a:ext cx="2674189" cy="307258"/>
-          </a:xfrm>
-          <a:prstGeom prst="rect">
-            <a:avLst/>
-          </a:prstGeom>
-          <a:solidFill>
-            <a:srgbClr val="C00000"/>
-          </a:solidFill>
-          <a:ln w="19050">
-            <a:prstDash val="dash"/>
-          </a:ln>
-        </p:spPr>
-        <p:style>
-          <a:lnRef idx="2">
-            <a:schemeClr val="accent6"/>
-          </a:lnRef>
-          <a:fillRef idx="1">
-            <a:schemeClr val="lt1"/>
-          </a:fillRef>
-          <a:effectRef idx="0">
-            <a:schemeClr val="accent6"/>
-          </a:effectRef>
-          <a:fontRef idx="minor">
-            <a:schemeClr val="dk1"/>
-          </a:fontRef>
-        </p:style>
-        <p:txBody>
-          <a:bodyPr rtlCol="0" anchor="ctr"/>
-          <a:lstStyle/>
-          <a:p>
-            <a:pPr algn="ctr"/>
-            <a:r>
-              <a:rPr lang="en-GB" sz="1000" dirty="0"/>
-              <a:t>org.apache.logging.log4j:log4j-core:</a:t>
-            </a:r>
-            <a:r>
-              <a:rPr lang="en-GB" sz="1000" dirty="0">
-                <a:highlight>
-                  <a:srgbClr val="FF0000"/>
-                </a:highlight>
-              </a:rPr>
-              <a:t>2.13.0</a:t>
-            </a:r>
-          </a:p>
-        </p:txBody>
-      </p:sp>
-      <p:cxnSp>
-        <p:nvCxnSpPr>
-          <p:cNvPr id="17" name="Straight Connector 16">
-            <a:extLst>
-              <a:ext uri="{FF2B5EF4-FFF2-40B4-BE49-F238E27FC236}">
-                <a16:creationId xmlns:a16="http://schemas.microsoft.com/office/drawing/2014/main" id="{974C56B7-FA9A-E543-A460-EB6F154F261F}"/>
-              </a:ext>
-            </a:extLst>
-          </p:cNvPr>
-          <p:cNvCxnSpPr>
-            <a:cxnSpLocks/>
-            <a:stCxn id="13" idx="2"/>
-            <a:endCxn id="16" idx="0"/>
-          </p:cNvCxnSpPr>
-          <p:nvPr/>
-        </p:nvCxnSpPr>
-        <p:spPr>
-          <a:xfrm>
-            <a:off x="2439124" y="3458775"/>
-            <a:ext cx="464083" cy="465536"/>
-          </a:xfrm>
-          <a:prstGeom prst="line">
-            <a:avLst/>
-          </a:prstGeom>
-          <a:ln w="19050">
-            <a:solidFill>
-              <a:schemeClr val="tx1"/>
-            </a:solidFill>
-            <a:prstDash val="dash"/>
-          </a:ln>
-        </p:spPr>
-        <p:style>
-          <a:lnRef idx="1">
-            <a:schemeClr val="accent1"/>
-          </a:lnRef>
-          <a:fillRef idx="0">
-            <a:schemeClr val="accent1"/>
-          </a:fillRef>
-          <a:effectRef idx="0">
-            <a:schemeClr val="accent1"/>
-          </a:effectRef>
-          <a:fontRef idx="minor">
-            <a:schemeClr val="tx1"/>
-          </a:fontRef>
-        </p:style>
-      </p:cxnSp>
-      <p:sp>
-        <p:nvSpPr>
-          <p:cNvPr id="18" name="Rectangle 17">
-            <a:extLst>
-              <a:ext uri="{FF2B5EF4-FFF2-40B4-BE49-F238E27FC236}">
-                <a16:creationId xmlns:a16="http://schemas.microsoft.com/office/drawing/2014/main" id="{8188424E-B243-124D-8A35-1A69DCDD2BFF}"/>
-              </a:ext>
-            </a:extLst>
-          </p:cNvPr>
-          <p:cNvSpPr/>
-          <p:nvPr/>
-        </p:nvSpPr>
-        <p:spPr>
-          <a:xfrm>
-            <a:off x="478804" y="5146381"/>
-            <a:ext cx="2674189" cy="307258"/>
-          </a:xfrm>
-          <a:prstGeom prst="rect">
-            <a:avLst/>
-          </a:prstGeom>
-          <a:solidFill>
-            <a:srgbClr val="C00000"/>
-          </a:solidFill>
-          <a:ln w="19050">
-            <a:prstDash val="dash"/>
-          </a:ln>
-        </p:spPr>
-        <p:style>
-          <a:lnRef idx="2">
-            <a:schemeClr val="accent6"/>
-          </a:lnRef>
-          <a:fillRef idx="1">
-            <a:schemeClr val="lt1"/>
-          </a:fillRef>
-          <a:effectRef idx="0">
-            <a:schemeClr val="accent6"/>
-          </a:effectRef>
-          <a:fontRef idx="minor">
-            <a:schemeClr val="dk1"/>
-          </a:fontRef>
-        </p:style>
-        <p:txBody>
-          <a:bodyPr rtlCol="0" anchor="ctr"/>
-          <a:lstStyle/>
-          <a:p>
-            <a:pPr algn="ctr"/>
-            <a:r>
-              <a:rPr lang="en-GB" sz="1000" dirty="0"/>
-              <a:t>org.apache.logging.log4j:log4j-core:</a:t>
-            </a:r>
-            <a:r>
-              <a:rPr lang="en-GB" sz="1000" dirty="0">
-                <a:highlight>
-                  <a:srgbClr val="FF0000"/>
-                </a:highlight>
-              </a:rPr>
-              <a:t>2.14.0</a:t>
-            </a:r>
-          </a:p>
-        </p:txBody>
-      </p:sp>
-      <p:cxnSp>
-        <p:nvCxnSpPr>
-          <p:cNvPr id="19" name="Straight Connector 18">
-            <a:extLst>
-              <a:ext uri="{FF2B5EF4-FFF2-40B4-BE49-F238E27FC236}">
-                <a16:creationId xmlns:a16="http://schemas.microsoft.com/office/drawing/2014/main" id="{AC0CF9C3-DCB7-AB48-BE02-D47547C175BC}"/>
-              </a:ext>
-            </a:extLst>
-          </p:cNvPr>
-          <p:cNvCxnSpPr>
-            <a:cxnSpLocks/>
-            <a:stCxn id="10" idx="2"/>
-            <a:endCxn id="18" idx="0"/>
-          </p:cNvCxnSpPr>
-          <p:nvPr/>
-        </p:nvCxnSpPr>
-        <p:spPr>
-          <a:xfrm>
-            <a:off x="878367" y="3458774"/>
-            <a:ext cx="937532" cy="1687607"/>
-          </a:xfrm>
-          <a:prstGeom prst="line">
-            <a:avLst/>
-          </a:prstGeom>
-          <a:ln w="19050">
-            <a:solidFill>
-              <a:schemeClr val="tx1"/>
-            </a:solidFill>
-            <a:prstDash val="dash"/>
-          </a:ln>
-        </p:spPr>
-        <p:style>
-          <a:lnRef idx="1">
-            <a:schemeClr val="accent1"/>
-          </a:lnRef>
-          <a:fillRef idx="0">
-            <a:schemeClr val="accent1"/>
-          </a:fillRef>
-          <a:effectRef idx="0">
-            <a:schemeClr val="accent1"/>
-          </a:effectRef>
-          <a:fontRef idx="minor">
-            <a:schemeClr val="tx1"/>
-          </a:fontRef>
-        </p:style>
-      </p:cxnSp>
-      <p:cxnSp>
-        <p:nvCxnSpPr>
-          <p:cNvPr id="26" name="Elbow Connector 25">
-            <a:extLst>
-              <a:ext uri="{FF2B5EF4-FFF2-40B4-BE49-F238E27FC236}">
-                <a16:creationId xmlns:a16="http://schemas.microsoft.com/office/drawing/2014/main" id="{9F2D3F20-23C5-B146-9135-25D57EC47898}"/>
-              </a:ext>
-            </a:extLst>
-          </p:cNvPr>
-          <p:cNvCxnSpPr>
-            <a:cxnSpLocks/>
-            <a:stCxn id="10" idx="0"/>
-            <a:endCxn id="8" idx="2"/>
-          </p:cNvCxnSpPr>
-          <p:nvPr/>
-        </p:nvCxnSpPr>
-        <p:spPr>
-          <a:xfrm rot="5400000" flipH="1" flipV="1">
-            <a:off x="795017" y="1984435"/>
-            <a:ext cx="943175" cy="776474"/>
-          </a:xfrm>
-          <a:prstGeom prst="bentConnector3">
-            <a:avLst>
-              <a:gd name="adj1" fmla="val 50000"/>
-            </a:avLst>
-          </a:prstGeom>
-          <a:ln>
-            <a:solidFill>
-              <a:schemeClr val="tx1"/>
-            </a:solidFill>
-            <a:tailEnd type="triangle"/>
-          </a:ln>
-        </p:spPr>
-        <p:style>
-          <a:lnRef idx="1">
-            <a:schemeClr val="accent1"/>
-          </a:lnRef>
-          <a:fillRef idx="0">
-            <a:schemeClr val="accent1"/>
-          </a:fillRef>
-          <a:effectRef idx="0">
-            <a:schemeClr val="accent1"/>
-          </a:effectRef>
-          <a:fontRef idx="minor">
-            <a:schemeClr val="tx1"/>
-          </a:fontRef>
-        </p:style>
-      </p:cxnSp>
-      <p:cxnSp>
-        <p:nvCxnSpPr>
-          <p:cNvPr id="29" name="Elbow Connector 28">
-            <a:extLst>
-              <a:ext uri="{FF2B5EF4-FFF2-40B4-BE49-F238E27FC236}">
-                <a16:creationId xmlns:a16="http://schemas.microsoft.com/office/drawing/2014/main" id="{C58593FC-81E3-1D49-83F4-8D5399AC9D1E}"/>
-              </a:ext>
-            </a:extLst>
-          </p:cNvPr>
-          <p:cNvCxnSpPr>
-            <a:stCxn id="8" idx="2"/>
-            <a:endCxn id="13" idx="0"/>
-          </p:cNvCxnSpPr>
-          <p:nvPr/>
-        </p:nvCxnSpPr>
-        <p:spPr>
-          <a:xfrm rot="16200000" flipH="1">
-            <a:off x="1575394" y="1980530"/>
-            <a:ext cx="943176" cy="784283"/>
-          </a:xfrm>
-          <a:prstGeom prst="bentConnector3">
-            <a:avLst/>
-          </a:prstGeom>
-          <a:ln>
-            <a:solidFill>
-              <a:schemeClr val="tx1"/>
-            </a:solidFill>
-          </a:ln>
-        </p:spPr>
-        <p:style>
-          <a:lnRef idx="1">
-            <a:schemeClr val="accent1"/>
-          </a:lnRef>
-          <a:fillRef idx="0">
-            <a:schemeClr val="accent1"/>
-          </a:fillRef>
-          <a:effectRef idx="0">
-            <a:schemeClr val="accent1"/>
-          </a:effectRef>
-          <a:fontRef idx="minor">
-            <a:schemeClr val="tx1"/>
-          </a:fontRef>
-        </p:style>
-      </p:cxnSp>
-      <p:sp>
-        <p:nvSpPr>
-          <p:cNvPr id="32" name="Rectangle 31">
-            <a:extLst>
-              <a:ext uri="{FF2B5EF4-FFF2-40B4-BE49-F238E27FC236}">
-                <a16:creationId xmlns:a16="http://schemas.microsoft.com/office/drawing/2014/main" id="{0D18CFD8-A0D6-9C47-AF25-BDA5A89AD24B}"/>
-              </a:ext>
-            </a:extLst>
-          </p:cNvPr>
-          <p:cNvSpPr/>
-          <p:nvPr/>
-        </p:nvSpPr>
-        <p:spPr>
-          <a:xfrm>
-            <a:off x="6410433" y="1440197"/>
-            <a:ext cx="2674189" cy="307258"/>
-          </a:xfrm>
-          <a:prstGeom prst="rect">
-            <a:avLst/>
-          </a:prstGeom>
-          <a:solidFill>
-            <a:srgbClr val="00B050"/>
-          </a:solidFill>
-          <a:ln w="19050">
-            <a:prstDash val="dash"/>
-          </a:ln>
-        </p:spPr>
-        <p:style>
-          <a:lnRef idx="2">
-            <a:schemeClr val="accent6"/>
-          </a:lnRef>
-          <a:fillRef idx="1">
-            <a:schemeClr val="lt1"/>
-          </a:fillRef>
-          <a:effectRef idx="0">
-            <a:schemeClr val="accent6"/>
-          </a:effectRef>
-          <a:fontRef idx="minor">
-            <a:schemeClr val="dk1"/>
-          </a:fontRef>
-        </p:style>
-        <p:txBody>
-          <a:bodyPr rtlCol="0" anchor="ctr"/>
-          <a:lstStyle/>
-          <a:p>
-            <a:pPr algn="ctr"/>
-            <a:r>
-              <a:rPr lang="en-GB" sz="1000" dirty="0"/>
-              <a:t>org.apache.logging.log4j:log4j-core:</a:t>
-            </a:r>
-            <a:r>
-              <a:rPr lang="en-GB" sz="1000" dirty="0">
-                <a:highlight>
-                  <a:srgbClr val="00FF00"/>
-                </a:highlight>
-              </a:rPr>
-              <a:t>2.17.0</a:t>
-            </a:r>
-          </a:p>
-        </p:txBody>
-      </p:sp>
-      <p:cxnSp>
-        <p:nvCxnSpPr>
-          <p:cNvPr id="33" name="Straight Connector 32">
-            <a:extLst>
-              <a:ext uri="{FF2B5EF4-FFF2-40B4-BE49-F238E27FC236}">
-                <a16:creationId xmlns:a16="http://schemas.microsoft.com/office/drawing/2014/main" id="{A191D8D6-7815-DD46-AB86-F89EEE8612F3}"/>
-              </a:ext>
-            </a:extLst>
-          </p:cNvPr>
-          <p:cNvCxnSpPr>
-            <a:cxnSpLocks/>
-            <a:stCxn id="9" idx="1"/>
-            <a:endCxn id="32" idx="3"/>
-          </p:cNvCxnSpPr>
-          <p:nvPr/>
-        </p:nvCxnSpPr>
-        <p:spPr>
-          <a:xfrm flipH="1" flipV="1">
-            <a:off x="9084622" y="1593826"/>
-            <a:ext cx="461933" cy="1"/>
-          </a:xfrm>
-          <a:prstGeom prst="line">
-            <a:avLst/>
-          </a:prstGeom>
-          <a:ln w="19050">
-            <a:solidFill>
-              <a:schemeClr val="tx1"/>
-            </a:solidFill>
-            <a:prstDash val="dash"/>
-          </a:ln>
-        </p:spPr>
-        <p:style>
-          <a:lnRef idx="1">
-            <a:schemeClr val="accent1"/>
-          </a:lnRef>
-          <a:fillRef idx="0">
-            <a:schemeClr val="accent1"/>
-          </a:fillRef>
-          <a:effectRef idx="0">
-            <a:schemeClr val="accent1"/>
-          </a:effectRef>
-          <a:fontRef idx="minor">
-            <a:schemeClr val="tx1"/>
-          </a:fontRef>
-        </p:style>
-      </p:cxnSp>
-      <p:sp>
-        <p:nvSpPr>
-          <p:cNvPr id="60" name="Card 59">
-            <a:extLst>
-              <a:ext uri="{FF2B5EF4-FFF2-40B4-BE49-F238E27FC236}">
-                <a16:creationId xmlns:a16="http://schemas.microsoft.com/office/drawing/2014/main" id="{73AA000B-37FC-B942-9CFE-15CA17FED0EA}"/>
-              </a:ext>
-            </a:extLst>
-          </p:cNvPr>
-          <p:cNvSpPr/>
-          <p:nvPr/>
-        </p:nvSpPr>
-        <p:spPr>
-          <a:xfrm>
-            <a:off x="8775421" y="2847751"/>
-            <a:ext cx="525170" cy="614515"/>
-          </a:xfrm>
-          <a:prstGeom prst="flowChartPunchedCard">
-            <a:avLst/>
-          </a:prstGeom>
-          <a:solidFill>
-            <a:srgbClr val="00B050"/>
-          </a:solidFill>
-        </p:spPr>
-        <p:style>
-          <a:lnRef idx="2">
-            <a:schemeClr val="accent6"/>
-          </a:lnRef>
-          <a:fillRef idx="1">
-            <a:schemeClr val="lt1"/>
-          </a:fillRef>
-          <a:effectRef idx="0">
-            <a:schemeClr val="accent6"/>
-          </a:effectRef>
-          <a:fontRef idx="minor">
-            <a:schemeClr val="dk1"/>
-          </a:fontRef>
-        </p:style>
-        <p:txBody>
-          <a:bodyPr rtlCol="0" anchor="ctr"/>
-          <a:lstStyle/>
-          <a:p>
-            <a:r>
-              <a:rPr lang="en-GB" sz="1200" b="1" dirty="0"/>
-              <a:t>………………………</a:t>
-            </a:r>
-          </a:p>
-        </p:txBody>
-      </p:sp>
-      <p:sp>
-        <p:nvSpPr>
-          <p:cNvPr id="61" name="Card 60">
-            <a:extLst>
-              <a:ext uri="{FF2B5EF4-FFF2-40B4-BE49-F238E27FC236}">
-                <a16:creationId xmlns:a16="http://schemas.microsoft.com/office/drawing/2014/main" id="{FEAAFEA2-14D2-1844-A80C-DC8076070A1B}"/>
-              </a:ext>
-            </a:extLst>
-          </p:cNvPr>
-          <p:cNvSpPr/>
-          <p:nvPr/>
-        </p:nvSpPr>
-        <p:spPr>
-          <a:xfrm>
-            <a:off x="10336178" y="2847752"/>
-            <a:ext cx="525170" cy="614515"/>
-          </a:xfrm>
-          <a:prstGeom prst="flowChartPunchedCard">
-            <a:avLst/>
-          </a:prstGeom>
-          <a:solidFill>
-            <a:srgbClr val="FF0000"/>
-          </a:solidFill>
-        </p:spPr>
-        <p:style>
-          <a:lnRef idx="2">
-            <a:schemeClr val="accent6"/>
-          </a:lnRef>
-          <a:fillRef idx="1">
-            <a:schemeClr val="lt1"/>
-          </a:fillRef>
-          <a:effectRef idx="0">
-            <a:schemeClr val="accent6"/>
-          </a:effectRef>
-          <a:fontRef idx="minor">
-            <a:schemeClr val="dk1"/>
-          </a:fontRef>
-        </p:style>
-        <p:txBody>
-          <a:bodyPr rtlCol="0" anchor="ctr"/>
-          <a:lstStyle/>
-          <a:p>
-            <a:r>
-              <a:rPr lang="en-GB" sz="1200" b="1" dirty="0"/>
-              <a:t>………………………</a:t>
-            </a:r>
-          </a:p>
-        </p:txBody>
-      </p:sp>
-      <p:cxnSp>
-        <p:nvCxnSpPr>
-          <p:cNvPr id="62" name="Elbow Connector 61">
-            <a:extLst>
-              <a:ext uri="{FF2B5EF4-FFF2-40B4-BE49-F238E27FC236}">
-                <a16:creationId xmlns:a16="http://schemas.microsoft.com/office/drawing/2014/main" id="{920AEBD0-983C-D347-8B2F-65E1B4E124B0}"/>
-              </a:ext>
-            </a:extLst>
-          </p:cNvPr>
-          <p:cNvCxnSpPr>
-            <a:cxnSpLocks/>
-            <a:stCxn id="60" idx="0"/>
-          </p:cNvCxnSpPr>
-          <p:nvPr/>
-        </p:nvCxnSpPr>
-        <p:spPr>
-          <a:xfrm rot="5400000" flipH="1" flipV="1">
-            <a:off x="8954656" y="1987927"/>
-            <a:ext cx="943175" cy="776474"/>
-          </a:xfrm>
-          <a:prstGeom prst="bentConnector3">
-            <a:avLst>
-              <a:gd name="adj1" fmla="val 50000"/>
-            </a:avLst>
-          </a:prstGeom>
-          <a:ln>
-            <a:solidFill>
-              <a:schemeClr val="tx1"/>
-            </a:solidFill>
-            <a:tailEnd type="triangle"/>
-          </a:ln>
-        </p:spPr>
-        <p:style>
-          <a:lnRef idx="1">
-            <a:schemeClr val="accent1"/>
-          </a:lnRef>
-          <a:fillRef idx="0">
-            <a:schemeClr val="accent1"/>
-          </a:fillRef>
-          <a:effectRef idx="0">
-            <a:schemeClr val="accent1"/>
-          </a:effectRef>
-          <a:fontRef idx="minor">
-            <a:schemeClr val="tx1"/>
-          </a:fontRef>
-        </p:style>
-      </p:cxnSp>
-      <p:cxnSp>
-        <p:nvCxnSpPr>
-          <p:cNvPr id="63" name="Elbow Connector 62">
-            <a:extLst>
-              <a:ext uri="{FF2B5EF4-FFF2-40B4-BE49-F238E27FC236}">
-                <a16:creationId xmlns:a16="http://schemas.microsoft.com/office/drawing/2014/main" id="{A2702B7F-CE28-4F43-A86F-F3420A19FBE2}"/>
-              </a:ext>
-            </a:extLst>
-          </p:cNvPr>
-          <p:cNvCxnSpPr>
-            <a:endCxn id="61" idx="0"/>
-          </p:cNvCxnSpPr>
-          <p:nvPr/>
-        </p:nvCxnSpPr>
-        <p:spPr>
-          <a:xfrm rot="16200000" flipH="1">
-            <a:off x="9735033" y="1984022"/>
-            <a:ext cx="943176" cy="784283"/>
-          </a:xfrm>
-          <a:prstGeom prst="bentConnector3">
-            <a:avLst/>
-          </a:prstGeom>
-          <a:ln>
-            <a:solidFill>
-              <a:schemeClr val="tx1"/>
-            </a:solidFill>
-          </a:ln>
-        </p:spPr>
-        <p:style>
-          <a:lnRef idx="1">
-            <a:schemeClr val="accent1"/>
-          </a:lnRef>
-          <a:fillRef idx="0">
-            <a:schemeClr val="accent1"/>
-          </a:fillRef>
-          <a:effectRef idx="0">
-            <a:schemeClr val="accent1"/>
-          </a:effectRef>
-          <a:fontRef idx="minor">
-            <a:schemeClr val="tx1"/>
-          </a:fontRef>
-        </p:style>
-      </p:cxnSp>
-      <p:sp>
-        <p:nvSpPr>
-          <p:cNvPr id="67" name="Rectangle 66">
-            <a:extLst>
-              <a:ext uri="{FF2B5EF4-FFF2-40B4-BE49-F238E27FC236}">
-                <a16:creationId xmlns:a16="http://schemas.microsoft.com/office/drawing/2014/main" id="{DE15142C-15D8-AF4A-8774-1A5E8D33341D}"/>
-              </a:ext>
-            </a:extLst>
-          </p:cNvPr>
-          <p:cNvSpPr/>
-          <p:nvPr/>
-        </p:nvSpPr>
-        <p:spPr>
-          <a:xfrm>
-            <a:off x="8999083" y="3919347"/>
-            <a:ext cx="2674189" cy="307258"/>
-          </a:xfrm>
-          <a:prstGeom prst="rect">
-            <a:avLst/>
-          </a:prstGeom>
-          <a:solidFill>
-            <a:srgbClr val="C00000"/>
-          </a:solidFill>
-          <a:ln w="19050">
-            <a:prstDash val="dash"/>
-          </a:ln>
-        </p:spPr>
-        <p:style>
-          <a:lnRef idx="2">
-            <a:schemeClr val="accent6"/>
-          </a:lnRef>
-          <a:fillRef idx="1">
-            <a:schemeClr val="lt1"/>
-          </a:fillRef>
-          <a:effectRef idx="0">
-            <a:schemeClr val="accent6"/>
-          </a:effectRef>
-          <a:fontRef idx="minor">
-            <a:schemeClr val="dk1"/>
-          </a:fontRef>
-        </p:style>
-        <p:txBody>
-          <a:bodyPr rtlCol="0" anchor="ctr"/>
-          <a:lstStyle/>
-          <a:p>
-            <a:pPr algn="ctr"/>
-            <a:r>
-              <a:rPr lang="en-GB" sz="1000" dirty="0"/>
-              <a:t>org.apache.logging.log4j:log4j-core:</a:t>
-            </a:r>
-            <a:r>
-              <a:rPr lang="en-GB" sz="1000" dirty="0">
-                <a:highlight>
-                  <a:srgbClr val="FF0000"/>
-                </a:highlight>
-              </a:rPr>
-              <a:t>2.13.0</a:t>
-            </a:r>
-          </a:p>
-        </p:txBody>
-      </p:sp>
-      <p:cxnSp>
-        <p:nvCxnSpPr>
-          <p:cNvPr id="68" name="Straight Connector 67">
-            <a:extLst>
-              <a:ext uri="{FF2B5EF4-FFF2-40B4-BE49-F238E27FC236}">
-                <a16:creationId xmlns:a16="http://schemas.microsoft.com/office/drawing/2014/main" id="{72B3FADF-5BCD-584C-A8AD-70332DA472F6}"/>
-              </a:ext>
-            </a:extLst>
-          </p:cNvPr>
-          <p:cNvCxnSpPr>
-            <a:cxnSpLocks/>
-            <a:endCxn id="67" idx="0"/>
-          </p:cNvCxnSpPr>
-          <p:nvPr/>
-        </p:nvCxnSpPr>
-        <p:spPr>
-          <a:xfrm flipH="1">
-            <a:off x="10336178" y="3470726"/>
-            <a:ext cx="224263" cy="448621"/>
-          </a:xfrm>
-          <a:prstGeom prst="line">
-            <a:avLst/>
-          </a:prstGeom>
-          <a:ln w="19050">
-            <a:solidFill>
-              <a:schemeClr val="tx1"/>
-            </a:solidFill>
-            <a:prstDash val="dash"/>
-          </a:ln>
-        </p:spPr>
-        <p:style>
-          <a:lnRef idx="1">
-            <a:schemeClr val="accent1"/>
-          </a:lnRef>
-          <a:fillRef idx="0">
-            <a:schemeClr val="accent1"/>
-          </a:fillRef>
-          <a:effectRef idx="0">
-            <a:schemeClr val="accent1"/>
-          </a:effectRef>
-          <a:fontRef idx="minor">
-            <a:schemeClr val="tx1"/>
-          </a:fontRef>
-        </p:style>
-      </p:cxnSp>
-      <p:sp>
-        <p:nvSpPr>
-          <p:cNvPr id="69" name="Rectangle 68">
-            <a:extLst>
-              <a:ext uri="{FF2B5EF4-FFF2-40B4-BE49-F238E27FC236}">
-                <a16:creationId xmlns:a16="http://schemas.microsoft.com/office/drawing/2014/main" id="{234B63FB-7F2E-0348-8CB7-60E1B5D84588}"/>
-              </a:ext>
-            </a:extLst>
-          </p:cNvPr>
-          <p:cNvSpPr/>
-          <p:nvPr/>
-        </p:nvSpPr>
-        <p:spPr>
-          <a:xfrm>
-            <a:off x="6992295" y="5144571"/>
-            <a:ext cx="2674189" cy="307258"/>
-          </a:xfrm>
-          <a:prstGeom prst="rect">
-            <a:avLst/>
-          </a:prstGeom>
-          <a:solidFill>
-            <a:srgbClr val="00B050"/>
-          </a:solidFill>
-          <a:ln w="19050">
-            <a:prstDash val="dash"/>
-          </a:ln>
-        </p:spPr>
-        <p:style>
-          <a:lnRef idx="2">
-            <a:schemeClr val="accent6"/>
-          </a:lnRef>
-          <a:fillRef idx="1">
-            <a:schemeClr val="lt1"/>
-          </a:fillRef>
-          <a:effectRef idx="0">
-            <a:schemeClr val="accent6"/>
-          </a:effectRef>
-          <a:fontRef idx="minor">
-            <a:schemeClr val="dk1"/>
-          </a:fontRef>
-        </p:style>
-        <p:txBody>
-          <a:bodyPr rtlCol="0" anchor="ctr"/>
-          <a:lstStyle/>
-          <a:p>
-            <a:pPr algn="ctr"/>
-            <a:r>
-              <a:rPr lang="en-GB" sz="1000" dirty="0"/>
-              <a:t>org.apache.logging.log4j:log4j-core:</a:t>
-            </a:r>
-            <a:r>
-              <a:rPr lang="en-GB" sz="1000" dirty="0">
-                <a:highlight>
-                  <a:srgbClr val="00FF00"/>
-                </a:highlight>
-              </a:rPr>
-              <a:t>2.17.1</a:t>
-            </a:r>
-          </a:p>
-        </p:txBody>
-      </p:sp>
-      <p:cxnSp>
-        <p:nvCxnSpPr>
-          <p:cNvPr id="70" name="Straight Connector 69">
-            <a:extLst>
-              <a:ext uri="{FF2B5EF4-FFF2-40B4-BE49-F238E27FC236}">
-                <a16:creationId xmlns:a16="http://schemas.microsoft.com/office/drawing/2014/main" id="{D79A8F7C-E53F-9C45-B059-C29A28632F57}"/>
-              </a:ext>
-            </a:extLst>
-          </p:cNvPr>
-          <p:cNvCxnSpPr>
-            <a:cxnSpLocks/>
-            <a:stCxn id="60" idx="2"/>
-            <a:endCxn id="69" idx="0"/>
-          </p:cNvCxnSpPr>
-          <p:nvPr/>
-        </p:nvCxnSpPr>
-        <p:spPr>
-          <a:xfrm flipH="1">
-            <a:off x="8329390" y="3462266"/>
-            <a:ext cx="708616" cy="1682305"/>
-          </a:xfrm>
-          <a:prstGeom prst="line">
-            <a:avLst/>
-          </a:prstGeom>
-          <a:ln w="19050">
-            <a:solidFill>
-              <a:schemeClr val="tx1"/>
-            </a:solidFill>
-            <a:prstDash val="dash"/>
-          </a:ln>
-        </p:spPr>
-        <p:style>
-          <a:lnRef idx="1">
-            <a:schemeClr val="accent1"/>
-          </a:lnRef>
-          <a:fillRef idx="0">
-            <a:schemeClr val="accent1"/>
-          </a:fillRef>
-          <a:effectRef idx="0">
-            <a:schemeClr val="accent1"/>
-          </a:effectRef>
-          <a:fontRef idx="minor">
-            <a:schemeClr val="tx1"/>
-          </a:fontRef>
-        </p:style>
-      </p:cxnSp>
-      <p:sp>
-        <p:nvSpPr>
-          <p:cNvPr id="74" name="Rectangle 73">
-            <a:extLst>
-              <a:ext uri="{FF2B5EF4-FFF2-40B4-BE49-F238E27FC236}">
-                <a16:creationId xmlns:a16="http://schemas.microsoft.com/office/drawing/2014/main" id="{22EA6BE2-5627-6140-87F1-BB9E736A1244}"/>
-              </a:ext>
-            </a:extLst>
-          </p:cNvPr>
-          <p:cNvSpPr/>
-          <p:nvPr/>
-        </p:nvSpPr>
-        <p:spPr>
-          <a:xfrm>
-            <a:off x="10474296" y="1228869"/>
-            <a:ext cx="1276710" cy="729916"/>
-          </a:xfrm>
-          <a:prstGeom prst="rect">
-            <a:avLst/>
-          </a:prstGeom>
-        </p:spPr>
-        <p:style>
-          <a:lnRef idx="2">
-            <a:schemeClr val="accent6"/>
-          </a:lnRef>
-          <a:fillRef idx="1">
-            <a:schemeClr val="lt1"/>
-          </a:fillRef>
-          <a:effectRef idx="0">
-            <a:schemeClr val="accent6"/>
-          </a:effectRef>
-          <a:fontRef idx="minor">
-            <a:schemeClr val="dk1"/>
-          </a:fontRef>
-        </p:style>
-        <p:txBody>
-          <a:bodyPr rtlCol="0" anchor="ctr"/>
-          <a:lstStyle/>
-          <a:p>
-            <a:pPr algn="ctr"/>
-            <a:endParaRPr lang="en-GB" sz="1600" b="1" i="1" dirty="0"/>
-          </a:p>
-          <a:p>
-            <a:pPr algn="ctr"/>
-            <a:r>
-              <a:rPr lang="en-GB" sz="1600" b="1" i="1" dirty="0"/>
-              <a:t>Enforcer</a:t>
-            </a:r>
-          </a:p>
-        </p:txBody>
-      </p:sp>
-      <p:pic>
-        <p:nvPicPr>
-          <p:cNvPr id="75" name="Picture 74" descr="A firework in the sky&#10;&#10;Description automatically generated with low confidence">
-            <a:extLst>
-              <a:ext uri="{FF2B5EF4-FFF2-40B4-BE49-F238E27FC236}">
-                <a16:creationId xmlns:a16="http://schemas.microsoft.com/office/drawing/2014/main" id="{9F9686EA-D8EE-BA4E-850E-05F5F6DDE4A4}"/>
-              </a:ext>
-            </a:extLst>
-          </p:cNvPr>
-          <p:cNvPicPr>
-            <a:picLocks noChangeAspect="1"/>
-          </p:cNvPicPr>
-          <p:nvPr/>
-        </p:nvPicPr>
-        <p:blipFill>
-          <a:blip r:embed="rId2"/>
-          <a:stretch>
-            <a:fillRect/>
-          </a:stretch>
-        </p:blipFill>
-        <p:spPr>
-          <a:xfrm>
-            <a:off x="10723476" y="1384861"/>
-            <a:ext cx="874576" cy="218644"/>
-          </a:xfrm>
-          <a:prstGeom prst="rect">
-            <a:avLst/>
-          </a:prstGeom>
-        </p:spPr>
-      </p:pic>
-      <p:cxnSp>
-        <p:nvCxnSpPr>
-          <p:cNvPr id="76" name="Straight Connector 75">
-            <a:extLst>
-              <a:ext uri="{FF2B5EF4-FFF2-40B4-BE49-F238E27FC236}">
-                <a16:creationId xmlns:a16="http://schemas.microsoft.com/office/drawing/2014/main" id="{D9A19C71-ADFF-A445-8CF7-EA55026FBCFD}"/>
-              </a:ext>
-            </a:extLst>
-          </p:cNvPr>
-          <p:cNvCxnSpPr>
-            <a:cxnSpLocks/>
-            <a:stCxn id="74" idx="1"/>
-            <a:endCxn id="9" idx="3"/>
-          </p:cNvCxnSpPr>
-          <p:nvPr/>
-        </p:nvCxnSpPr>
-        <p:spPr>
-          <a:xfrm flipH="1">
-            <a:off x="10071725" y="1593827"/>
-            <a:ext cx="402571" cy="0"/>
-          </a:xfrm>
-          <a:prstGeom prst="line">
-            <a:avLst/>
-          </a:prstGeom>
-          <a:ln w="19050">
-            <a:solidFill>
-              <a:schemeClr val="tx1"/>
-            </a:solidFill>
-            <a:prstDash val="dash"/>
-          </a:ln>
-        </p:spPr>
-        <p:style>
-          <a:lnRef idx="1">
-            <a:schemeClr val="accent1"/>
-          </a:lnRef>
-          <a:fillRef idx="0">
-            <a:schemeClr val="accent1"/>
-          </a:fillRef>
-          <a:effectRef idx="0">
-            <a:schemeClr val="accent1"/>
-          </a:effectRef>
-          <a:fontRef idx="minor">
-            <a:schemeClr val="tx1"/>
-          </a:fontRef>
-        </p:style>
-      </p:cxnSp>
-      <p:cxnSp>
-        <p:nvCxnSpPr>
-          <p:cNvPr id="80" name="Straight Connector 79">
-            <a:extLst>
-              <a:ext uri="{FF2B5EF4-FFF2-40B4-BE49-F238E27FC236}">
-                <a16:creationId xmlns:a16="http://schemas.microsoft.com/office/drawing/2014/main" id="{33042976-6A9B-8642-A9A0-8563B1BE8137}"/>
-              </a:ext>
-            </a:extLst>
-          </p:cNvPr>
-          <p:cNvCxnSpPr>
-            <a:cxnSpLocks/>
-            <a:stCxn id="6" idx="2"/>
-            <a:endCxn id="12" idx="0"/>
-          </p:cNvCxnSpPr>
-          <p:nvPr/>
-        </p:nvCxnSpPr>
-        <p:spPr>
-          <a:xfrm flipH="1" flipV="1">
-            <a:off x="6096000" y="1166842"/>
-            <a:ext cx="23930" cy="4579979"/>
-          </a:xfrm>
-          <a:prstGeom prst="line">
-            <a:avLst/>
-          </a:prstGeom>
-          <a:ln w="19050">
-            <a:solidFill>
-              <a:schemeClr val="tx1"/>
-            </a:solidFill>
-            <a:prstDash val="sysDot"/>
-          </a:ln>
-        </p:spPr>
-        <p:style>
-          <a:lnRef idx="1">
-            <a:schemeClr val="accent1"/>
-          </a:lnRef>
-          <a:fillRef idx="0">
-            <a:schemeClr val="accent1"/>
-          </a:fillRef>
-          <a:effectRef idx="0">
-            <a:schemeClr val="accent1"/>
-          </a:effectRef>
-          <a:fontRef idx="minor">
-            <a:schemeClr val="tx1"/>
-          </a:fontRef>
-        </p:style>
-      </p:cxnSp>
-      <p:sp>
-        <p:nvSpPr>
-          <p:cNvPr id="83" name="&quot;No&quot; Symbol 82">
-            <a:extLst>
-              <a:ext uri="{FF2B5EF4-FFF2-40B4-BE49-F238E27FC236}">
-                <a16:creationId xmlns:a16="http://schemas.microsoft.com/office/drawing/2014/main" id="{9EAE932C-385C-AC47-AEE3-145504CC04CB}"/>
-              </a:ext>
-            </a:extLst>
-          </p:cNvPr>
-          <p:cNvSpPr/>
-          <p:nvPr/>
-        </p:nvSpPr>
-        <p:spPr>
-          <a:xfrm>
-            <a:off x="4433977" y="2458528"/>
-            <a:ext cx="1076471" cy="1012198"/>
-          </a:xfrm>
-          <a:prstGeom prst="noSmoking">
-            <a:avLst/>
-          </a:prstGeom>
-          <a:solidFill>
-            <a:srgbClr val="FF0000"/>
-          </a:solidFill>
-          <a:ln>
-            <a:solidFill>
-              <a:schemeClr val="tx1"/>
-            </a:solidFill>
-          </a:ln>
-        </p:spPr>
-        <p:style>
-          <a:lnRef idx="2">
-            <a:schemeClr val="accent6"/>
-          </a:lnRef>
-          <a:fillRef idx="1">
-            <a:schemeClr val="lt1"/>
-          </a:fillRef>
-          <a:effectRef idx="0">
-            <a:schemeClr val="accent6"/>
-          </a:effectRef>
-          <a:fontRef idx="minor">
-            <a:schemeClr val="dk1"/>
-          </a:fontRef>
-        </p:style>
-        <p:txBody>
-          <a:bodyPr rtlCol="0" anchor="ctr"/>
-          <a:lstStyle/>
-          <a:p>
-            <a:pPr algn="ctr"/>
-            <a:endParaRPr lang="en-GB">
-              <a:solidFill>
-                <a:schemeClr val="tx1"/>
-              </a:solidFill>
-            </a:endParaRPr>
-          </a:p>
-        </p:txBody>
-      </p:sp>
-      <p:sp>
-        <p:nvSpPr>
-          <p:cNvPr id="84" name="Smiley Face 83">
-            <a:extLst>
-              <a:ext uri="{FF2B5EF4-FFF2-40B4-BE49-F238E27FC236}">
-                <a16:creationId xmlns:a16="http://schemas.microsoft.com/office/drawing/2014/main" id="{6AD48125-7E61-A24E-B8AC-0FF759844C9C}"/>
-              </a:ext>
-            </a:extLst>
-          </p:cNvPr>
-          <p:cNvSpPr/>
-          <p:nvPr/>
-        </p:nvSpPr>
-        <p:spPr>
-          <a:xfrm>
-            <a:off x="6355021" y="2458528"/>
-            <a:ext cx="1006635" cy="934734"/>
-          </a:xfrm>
-          <a:prstGeom prst="smileyFace">
-            <a:avLst/>
-          </a:prstGeom>
-          <a:solidFill>
-            <a:srgbClr val="00B050"/>
-          </a:solidFill>
-          <a:ln>
-            <a:solidFill>
-              <a:schemeClr val="tx1"/>
-            </a:solidFill>
-          </a:ln>
-        </p:spPr>
-        <p:style>
-          <a:lnRef idx="2">
-            <a:schemeClr val="accent6"/>
-          </a:lnRef>
-          <a:fillRef idx="1">
-            <a:schemeClr val="lt1"/>
-          </a:fillRef>
-          <a:effectRef idx="0">
-            <a:schemeClr val="accent6"/>
-          </a:effectRef>
-          <a:fontRef idx="minor">
-            <a:schemeClr val="dk1"/>
-          </a:fontRef>
-        </p:style>
-        <p:txBody>
-          <a:bodyPr rtlCol="0" anchor="ctr"/>
-          <a:lstStyle/>
-          <a:p>
-            <a:pPr algn="ctr"/>
-            <a:endParaRPr lang="en-GB"/>
-          </a:p>
-        </p:txBody>
-      </p:sp>
-    </p:spTree>
-    <p:extLst>
-      <p:ext uri="{BB962C8B-B14F-4D97-AF65-F5344CB8AC3E}">
-        <p14:creationId xmlns:p14="http://schemas.microsoft.com/office/powerpoint/2010/main" val="1089483639"/>
       </p:ext>
     </p:extLst>
   </p:cSld>
@@ -12879,12 +11614,1179 @@
           </a:p>
         </p:txBody>
       </p:sp>
+      <p:sp>
+        <p:nvSpPr>
+          <p:cNvPr id="8" name="Card 7">
+            <a:extLst>
+              <a:ext uri="{FF2B5EF4-FFF2-40B4-BE49-F238E27FC236}">
+                <a16:creationId xmlns:a16="http://schemas.microsoft.com/office/drawing/2014/main" id="{83AE707E-5960-B349-895E-8DB3531A0ACD}"/>
+              </a:ext>
+            </a:extLst>
+          </p:cNvPr>
+          <p:cNvSpPr/>
+          <p:nvPr/>
+        </p:nvSpPr>
+        <p:spPr>
+          <a:xfrm>
+            <a:off x="1392256" y="1286569"/>
+            <a:ext cx="525170" cy="614515"/>
+          </a:xfrm>
+          <a:prstGeom prst="flowChartPunchedCard">
+            <a:avLst/>
+          </a:prstGeom>
+          <a:solidFill>
+            <a:srgbClr val="00B050"/>
+          </a:solidFill>
+        </p:spPr>
+        <p:style>
+          <a:lnRef idx="2">
+            <a:schemeClr val="accent6"/>
+          </a:lnRef>
+          <a:fillRef idx="1">
+            <a:schemeClr val="lt1"/>
+          </a:fillRef>
+          <a:effectRef idx="0">
+            <a:schemeClr val="accent6"/>
+          </a:effectRef>
+          <a:fontRef idx="minor">
+            <a:schemeClr val="dk1"/>
+          </a:fontRef>
+        </p:style>
+        <p:txBody>
+          <a:bodyPr rtlCol="0" anchor="ctr"/>
+          <a:lstStyle/>
+          <a:p>
+            <a:r>
+              <a:rPr lang="en-GB" sz="1200" b="1" dirty="0"/>
+              <a:t>POM</a:t>
+            </a:r>
+          </a:p>
+        </p:txBody>
+      </p:sp>
+      <p:sp>
+        <p:nvSpPr>
+          <p:cNvPr id="9" name="Card 8">
+            <a:extLst>
+              <a:ext uri="{FF2B5EF4-FFF2-40B4-BE49-F238E27FC236}">
+                <a16:creationId xmlns:a16="http://schemas.microsoft.com/office/drawing/2014/main" id="{A151DF3E-E06D-0348-A204-81ACA9862DAF}"/>
+              </a:ext>
+            </a:extLst>
+          </p:cNvPr>
+          <p:cNvSpPr/>
+          <p:nvPr/>
+        </p:nvSpPr>
+        <p:spPr>
+          <a:xfrm>
+            <a:off x="9546555" y="1286569"/>
+            <a:ext cx="525170" cy="614515"/>
+          </a:xfrm>
+          <a:prstGeom prst="flowChartPunchedCard">
+            <a:avLst/>
+          </a:prstGeom>
+          <a:solidFill>
+            <a:srgbClr val="00B050"/>
+          </a:solidFill>
+        </p:spPr>
+        <p:style>
+          <a:lnRef idx="2">
+            <a:schemeClr val="accent6"/>
+          </a:lnRef>
+          <a:fillRef idx="1">
+            <a:schemeClr val="lt1"/>
+          </a:fillRef>
+          <a:effectRef idx="0">
+            <a:schemeClr val="accent6"/>
+          </a:effectRef>
+          <a:fontRef idx="minor">
+            <a:schemeClr val="dk1"/>
+          </a:fontRef>
+        </p:style>
+        <p:txBody>
+          <a:bodyPr rtlCol="0" anchor="ctr"/>
+          <a:lstStyle/>
+          <a:p>
+            <a:r>
+              <a:rPr lang="en-GB" sz="1200" b="1" dirty="0"/>
+              <a:t>POM</a:t>
+            </a:r>
+          </a:p>
+        </p:txBody>
+      </p:sp>
+      <p:sp>
+        <p:nvSpPr>
+          <p:cNvPr id="10" name="Card 9">
+            <a:extLst>
+              <a:ext uri="{FF2B5EF4-FFF2-40B4-BE49-F238E27FC236}">
+                <a16:creationId xmlns:a16="http://schemas.microsoft.com/office/drawing/2014/main" id="{90A73293-8A06-0949-B82A-17FA6B5980A5}"/>
+              </a:ext>
+            </a:extLst>
+          </p:cNvPr>
+          <p:cNvSpPr/>
+          <p:nvPr/>
+        </p:nvSpPr>
+        <p:spPr>
+          <a:xfrm>
+            <a:off x="615782" y="2844259"/>
+            <a:ext cx="525170" cy="614515"/>
+          </a:xfrm>
+          <a:prstGeom prst="flowChartPunchedCard">
+            <a:avLst/>
+          </a:prstGeom>
+          <a:solidFill>
+            <a:srgbClr val="00B050"/>
+          </a:solidFill>
+        </p:spPr>
+        <p:style>
+          <a:lnRef idx="2">
+            <a:schemeClr val="accent6"/>
+          </a:lnRef>
+          <a:fillRef idx="1">
+            <a:schemeClr val="lt1"/>
+          </a:fillRef>
+          <a:effectRef idx="0">
+            <a:schemeClr val="accent6"/>
+          </a:effectRef>
+          <a:fontRef idx="minor">
+            <a:schemeClr val="dk1"/>
+          </a:fontRef>
+        </p:style>
+        <p:txBody>
+          <a:bodyPr rtlCol="0" anchor="ctr"/>
+          <a:lstStyle/>
+          <a:p>
+            <a:r>
+              <a:rPr lang="en-GB" sz="1200" b="1" dirty="0"/>
+              <a:t>………………………</a:t>
+            </a:r>
+          </a:p>
+        </p:txBody>
+      </p:sp>
+      <p:sp>
+        <p:nvSpPr>
+          <p:cNvPr id="13" name="Card 12">
+            <a:extLst>
+              <a:ext uri="{FF2B5EF4-FFF2-40B4-BE49-F238E27FC236}">
+                <a16:creationId xmlns:a16="http://schemas.microsoft.com/office/drawing/2014/main" id="{86FEDE95-4201-A545-97F6-AD7C1B7272D4}"/>
+              </a:ext>
+            </a:extLst>
+          </p:cNvPr>
+          <p:cNvSpPr/>
+          <p:nvPr/>
+        </p:nvSpPr>
+        <p:spPr>
+          <a:xfrm>
+            <a:off x="2176539" y="2844260"/>
+            <a:ext cx="525170" cy="614515"/>
+          </a:xfrm>
+          <a:prstGeom prst="flowChartPunchedCard">
+            <a:avLst/>
+          </a:prstGeom>
+          <a:solidFill>
+            <a:srgbClr val="00B050"/>
+          </a:solidFill>
+        </p:spPr>
+        <p:style>
+          <a:lnRef idx="2">
+            <a:schemeClr val="accent6"/>
+          </a:lnRef>
+          <a:fillRef idx="1">
+            <a:schemeClr val="lt1"/>
+          </a:fillRef>
+          <a:effectRef idx="0">
+            <a:schemeClr val="accent6"/>
+          </a:effectRef>
+          <a:fontRef idx="minor">
+            <a:schemeClr val="dk1"/>
+          </a:fontRef>
+        </p:style>
+        <p:txBody>
+          <a:bodyPr rtlCol="0" anchor="ctr"/>
+          <a:lstStyle/>
+          <a:p>
+            <a:r>
+              <a:rPr lang="en-GB" sz="1200" b="1" dirty="0"/>
+              <a:t>………………………</a:t>
+            </a:r>
+          </a:p>
+        </p:txBody>
+      </p:sp>
+      <p:sp>
+        <p:nvSpPr>
+          <p:cNvPr id="3" name="Rectangle 2">
+            <a:extLst>
+              <a:ext uri="{FF2B5EF4-FFF2-40B4-BE49-F238E27FC236}">
+                <a16:creationId xmlns:a16="http://schemas.microsoft.com/office/drawing/2014/main" id="{DEFEB219-894A-7842-925C-1402698F65F6}"/>
+              </a:ext>
+            </a:extLst>
+          </p:cNvPr>
+          <p:cNvSpPr/>
+          <p:nvPr/>
+        </p:nvSpPr>
+        <p:spPr>
+          <a:xfrm>
+            <a:off x="2379359" y="1432602"/>
+            <a:ext cx="2674189" cy="307258"/>
+          </a:xfrm>
+          <a:prstGeom prst="rect">
+            <a:avLst/>
+          </a:prstGeom>
+          <a:solidFill>
+            <a:srgbClr val="00B050"/>
+          </a:solidFill>
+          <a:ln w="19050">
+            <a:prstDash val="dash"/>
+          </a:ln>
+        </p:spPr>
+        <p:style>
+          <a:lnRef idx="2">
+            <a:schemeClr val="accent6"/>
+          </a:lnRef>
+          <a:fillRef idx="1">
+            <a:schemeClr val="lt1"/>
+          </a:fillRef>
+          <a:effectRef idx="0">
+            <a:schemeClr val="accent6"/>
+          </a:effectRef>
+          <a:fontRef idx="minor">
+            <a:schemeClr val="dk1"/>
+          </a:fontRef>
+        </p:style>
+        <p:txBody>
+          <a:bodyPr rtlCol="0" anchor="ctr"/>
+          <a:lstStyle/>
+          <a:p>
+            <a:pPr algn="ctr"/>
+            <a:r>
+              <a:rPr lang="en-GB" sz="1000" dirty="0"/>
+              <a:t>org.apache.logging.log4j:log4j-core:</a:t>
+            </a:r>
+            <a:r>
+              <a:rPr lang="en-GB" sz="1000" dirty="0">
+                <a:highlight>
+                  <a:srgbClr val="00FF00"/>
+                </a:highlight>
+              </a:rPr>
+              <a:t>2.17.0</a:t>
+            </a:r>
+          </a:p>
+        </p:txBody>
+      </p:sp>
+      <p:cxnSp>
+        <p:nvCxnSpPr>
+          <p:cNvPr id="14" name="Straight Connector 13">
+            <a:extLst>
+              <a:ext uri="{FF2B5EF4-FFF2-40B4-BE49-F238E27FC236}">
+                <a16:creationId xmlns:a16="http://schemas.microsoft.com/office/drawing/2014/main" id="{175BE92A-72DC-094A-9E49-5A95FC847E11}"/>
+              </a:ext>
+            </a:extLst>
+          </p:cNvPr>
+          <p:cNvCxnSpPr>
+            <a:stCxn id="8" idx="3"/>
+            <a:endCxn id="3" idx="1"/>
+          </p:cNvCxnSpPr>
+          <p:nvPr/>
+        </p:nvCxnSpPr>
+        <p:spPr>
+          <a:xfrm flipV="1">
+            <a:off x="1917426" y="1586231"/>
+            <a:ext cx="461933" cy="7596"/>
+          </a:xfrm>
+          <a:prstGeom prst="line">
+            <a:avLst/>
+          </a:prstGeom>
+          <a:ln w="19050">
+            <a:solidFill>
+              <a:schemeClr val="tx1"/>
+            </a:solidFill>
+            <a:prstDash val="dash"/>
+          </a:ln>
+        </p:spPr>
+        <p:style>
+          <a:lnRef idx="1">
+            <a:schemeClr val="accent1"/>
+          </a:lnRef>
+          <a:fillRef idx="0">
+            <a:schemeClr val="accent1"/>
+          </a:fillRef>
+          <a:effectRef idx="0">
+            <a:schemeClr val="accent1"/>
+          </a:effectRef>
+          <a:fontRef idx="minor">
+            <a:schemeClr val="tx1"/>
+          </a:fontRef>
+        </p:style>
+      </p:cxnSp>
+      <p:sp>
+        <p:nvSpPr>
+          <p:cNvPr id="16" name="Rectangle 15">
+            <a:extLst>
+              <a:ext uri="{FF2B5EF4-FFF2-40B4-BE49-F238E27FC236}">
+                <a16:creationId xmlns:a16="http://schemas.microsoft.com/office/drawing/2014/main" id="{CD930F30-B32E-E540-B8D2-AE7A4CB7A450}"/>
+              </a:ext>
+            </a:extLst>
+          </p:cNvPr>
+          <p:cNvSpPr/>
+          <p:nvPr/>
+        </p:nvSpPr>
+        <p:spPr>
+          <a:xfrm>
+            <a:off x="1566112" y="3924311"/>
+            <a:ext cx="2674189" cy="307258"/>
+          </a:xfrm>
+          <a:prstGeom prst="rect">
+            <a:avLst/>
+          </a:prstGeom>
+          <a:solidFill>
+            <a:srgbClr val="C00000"/>
+          </a:solidFill>
+          <a:ln w="19050">
+            <a:prstDash val="dash"/>
+          </a:ln>
+        </p:spPr>
+        <p:style>
+          <a:lnRef idx="2">
+            <a:schemeClr val="accent6"/>
+          </a:lnRef>
+          <a:fillRef idx="1">
+            <a:schemeClr val="lt1"/>
+          </a:fillRef>
+          <a:effectRef idx="0">
+            <a:schemeClr val="accent6"/>
+          </a:effectRef>
+          <a:fontRef idx="minor">
+            <a:schemeClr val="dk1"/>
+          </a:fontRef>
+        </p:style>
+        <p:txBody>
+          <a:bodyPr rtlCol="0" anchor="ctr"/>
+          <a:lstStyle/>
+          <a:p>
+            <a:pPr algn="ctr"/>
+            <a:r>
+              <a:rPr lang="en-GB" sz="1000" dirty="0"/>
+              <a:t>org.apache.logging.log4j:log4j-core:</a:t>
+            </a:r>
+            <a:r>
+              <a:rPr lang="en-GB" sz="1000" dirty="0">
+                <a:highlight>
+                  <a:srgbClr val="FF0000"/>
+                </a:highlight>
+              </a:rPr>
+              <a:t>2.13.0</a:t>
+            </a:r>
+          </a:p>
+        </p:txBody>
+      </p:sp>
+      <p:cxnSp>
+        <p:nvCxnSpPr>
+          <p:cNvPr id="17" name="Straight Connector 16">
+            <a:extLst>
+              <a:ext uri="{FF2B5EF4-FFF2-40B4-BE49-F238E27FC236}">
+                <a16:creationId xmlns:a16="http://schemas.microsoft.com/office/drawing/2014/main" id="{974C56B7-FA9A-E543-A460-EB6F154F261F}"/>
+              </a:ext>
+            </a:extLst>
+          </p:cNvPr>
+          <p:cNvCxnSpPr>
+            <a:cxnSpLocks/>
+            <a:stCxn id="13" idx="2"/>
+            <a:endCxn id="16" idx="0"/>
+          </p:cNvCxnSpPr>
+          <p:nvPr/>
+        </p:nvCxnSpPr>
+        <p:spPr>
+          <a:xfrm>
+            <a:off x="2439124" y="3458775"/>
+            <a:ext cx="464083" cy="465536"/>
+          </a:xfrm>
+          <a:prstGeom prst="line">
+            <a:avLst/>
+          </a:prstGeom>
+          <a:ln w="19050">
+            <a:solidFill>
+              <a:schemeClr val="tx1"/>
+            </a:solidFill>
+            <a:prstDash val="dash"/>
+          </a:ln>
+        </p:spPr>
+        <p:style>
+          <a:lnRef idx="1">
+            <a:schemeClr val="accent1"/>
+          </a:lnRef>
+          <a:fillRef idx="0">
+            <a:schemeClr val="accent1"/>
+          </a:fillRef>
+          <a:effectRef idx="0">
+            <a:schemeClr val="accent1"/>
+          </a:effectRef>
+          <a:fontRef idx="minor">
+            <a:schemeClr val="tx1"/>
+          </a:fontRef>
+        </p:style>
+      </p:cxnSp>
+      <p:sp>
+        <p:nvSpPr>
+          <p:cNvPr id="18" name="Rectangle 17">
+            <a:extLst>
+              <a:ext uri="{FF2B5EF4-FFF2-40B4-BE49-F238E27FC236}">
+                <a16:creationId xmlns:a16="http://schemas.microsoft.com/office/drawing/2014/main" id="{8188424E-B243-124D-8A35-1A69DCDD2BFF}"/>
+              </a:ext>
+            </a:extLst>
+          </p:cNvPr>
+          <p:cNvSpPr/>
+          <p:nvPr/>
+        </p:nvSpPr>
+        <p:spPr>
+          <a:xfrm>
+            <a:off x="478804" y="5146381"/>
+            <a:ext cx="2674189" cy="307258"/>
+          </a:xfrm>
+          <a:prstGeom prst="rect">
+            <a:avLst/>
+          </a:prstGeom>
+          <a:solidFill>
+            <a:srgbClr val="C00000"/>
+          </a:solidFill>
+          <a:ln w="19050">
+            <a:prstDash val="dash"/>
+          </a:ln>
+        </p:spPr>
+        <p:style>
+          <a:lnRef idx="2">
+            <a:schemeClr val="accent6"/>
+          </a:lnRef>
+          <a:fillRef idx="1">
+            <a:schemeClr val="lt1"/>
+          </a:fillRef>
+          <a:effectRef idx="0">
+            <a:schemeClr val="accent6"/>
+          </a:effectRef>
+          <a:fontRef idx="minor">
+            <a:schemeClr val="dk1"/>
+          </a:fontRef>
+        </p:style>
+        <p:txBody>
+          <a:bodyPr rtlCol="0" anchor="ctr"/>
+          <a:lstStyle/>
+          <a:p>
+            <a:pPr algn="ctr"/>
+            <a:r>
+              <a:rPr lang="en-GB" sz="1000" dirty="0"/>
+              <a:t>org.apache.logging.log4j:log4j-core:</a:t>
+            </a:r>
+            <a:r>
+              <a:rPr lang="en-GB" sz="1000" dirty="0">
+                <a:highlight>
+                  <a:srgbClr val="FF0000"/>
+                </a:highlight>
+              </a:rPr>
+              <a:t>2.14.0</a:t>
+            </a:r>
+          </a:p>
+        </p:txBody>
+      </p:sp>
+      <p:cxnSp>
+        <p:nvCxnSpPr>
+          <p:cNvPr id="19" name="Straight Connector 18">
+            <a:extLst>
+              <a:ext uri="{FF2B5EF4-FFF2-40B4-BE49-F238E27FC236}">
+                <a16:creationId xmlns:a16="http://schemas.microsoft.com/office/drawing/2014/main" id="{AC0CF9C3-DCB7-AB48-BE02-D47547C175BC}"/>
+              </a:ext>
+            </a:extLst>
+          </p:cNvPr>
+          <p:cNvCxnSpPr>
+            <a:cxnSpLocks/>
+            <a:stCxn id="10" idx="2"/>
+            <a:endCxn id="18" idx="0"/>
+          </p:cNvCxnSpPr>
+          <p:nvPr/>
+        </p:nvCxnSpPr>
+        <p:spPr>
+          <a:xfrm>
+            <a:off x="878367" y="3458774"/>
+            <a:ext cx="937532" cy="1687607"/>
+          </a:xfrm>
+          <a:prstGeom prst="line">
+            <a:avLst/>
+          </a:prstGeom>
+          <a:ln w="19050">
+            <a:solidFill>
+              <a:schemeClr val="tx1"/>
+            </a:solidFill>
+            <a:prstDash val="dash"/>
+          </a:ln>
+        </p:spPr>
+        <p:style>
+          <a:lnRef idx="1">
+            <a:schemeClr val="accent1"/>
+          </a:lnRef>
+          <a:fillRef idx="0">
+            <a:schemeClr val="accent1"/>
+          </a:fillRef>
+          <a:effectRef idx="0">
+            <a:schemeClr val="accent1"/>
+          </a:effectRef>
+          <a:fontRef idx="minor">
+            <a:schemeClr val="tx1"/>
+          </a:fontRef>
+        </p:style>
+      </p:cxnSp>
+      <p:cxnSp>
+        <p:nvCxnSpPr>
+          <p:cNvPr id="26" name="Elbow Connector 25">
+            <a:extLst>
+              <a:ext uri="{FF2B5EF4-FFF2-40B4-BE49-F238E27FC236}">
+                <a16:creationId xmlns:a16="http://schemas.microsoft.com/office/drawing/2014/main" id="{9F2D3F20-23C5-B146-9135-25D57EC47898}"/>
+              </a:ext>
+            </a:extLst>
+          </p:cNvPr>
+          <p:cNvCxnSpPr>
+            <a:cxnSpLocks/>
+            <a:stCxn id="10" idx="0"/>
+            <a:endCxn id="8" idx="2"/>
+          </p:cNvCxnSpPr>
+          <p:nvPr/>
+        </p:nvCxnSpPr>
+        <p:spPr>
+          <a:xfrm rot="5400000" flipH="1" flipV="1">
+            <a:off x="795017" y="1984435"/>
+            <a:ext cx="943175" cy="776474"/>
+          </a:xfrm>
+          <a:prstGeom prst="bentConnector3">
+            <a:avLst>
+              <a:gd name="adj1" fmla="val 50000"/>
+            </a:avLst>
+          </a:prstGeom>
+          <a:ln>
+            <a:solidFill>
+              <a:schemeClr val="tx1"/>
+            </a:solidFill>
+            <a:tailEnd type="triangle"/>
+          </a:ln>
+        </p:spPr>
+        <p:style>
+          <a:lnRef idx="1">
+            <a:schemeClr val="accent1"/>
+          </a:lnRef>
+          <a:fillRef idx="0">
+            <a:schemeClr val="accent1"/>
+          </a:fillRef>
+          <a:effectRef idx="0">
+            <a:schemeClr val="accent1"/>
+          </a:effectRef>
+          <a:fontRef idx="minor">
+            <a:schemeClr val="tx1"/>
+          </a:fontRef>
+        </p:style>
+      </p:cxnSp>
+      <p:cxnSp>
+        <p:nvCxnSpPr>
+          <p:cNvPr id="29" name="Elbow Connector 28">
+            <a:extLst>
+              <a:ext uri="{FF2B5EF4-FFF2-40B4-BE49-F238E27FC236}">
+                <a16:creationId xmlns:a16="http://schemas.microsoft.com/office/drawing/2014/main" id="{C58593FC-81E3-1D49-83F4-8D5399AC9D1E}"/>
+              </a:ext>
+            </a:extLst>
+          </p:cNvPr>
+          <p:cNvCxnSpPr>
+            <a:stCxn id="8" idx="2"/>
+            <a:endCxn id="13" idx="0"/>
+          </p:cNvCxnSpPr>
+          <p:nvPr/>
+        </p:nvCxnSpPr>
+        <p:spPr>
+          <a:xfrm rot="16200000" flipH="1">
+            <a:off x="1575394" y="1980530"/>
+            <a:ext cx="943176" cy="784283"/>
+          </a:xfrm>
+          <a:prstGeom prst="bentConnector3">
+            <a:avLst/>
+          </a:prstGeom>
+          <a:ln>
+            <a:solidFill>
+              <a:schemeClr val="tx1"/>
+            </a:solidFill>
+          </a:ln>
+        </p:spPr>
+        <p:style>
+          <a:lnRef idx="1">
+            <a:schemeClr val="accent1"/>
+          </a:lnRef>
+          <a:fillRef idx="0">
+            <a:schemeClr val="accent1"/>
+          </a:fillRef>
+          <a:effectRef idx="0">
+            <a:schemeClr val="accent1"/>
+          </a:effectRef>
+          <a:fontRef idx="minor">
+            <a:schemeClr val="tx1"/>
+          </a:fontRef>
+        </p:style>
+      </p:cxnSp>
+      <p:sp>
+        <p:nvSpPr>
+          <p:cNvPr id="32" name="Rectangle 31">
+            <a:extLst>
+              <a:ext uri="{FF2B5EF4-FFF2-40B4-BE49-F238E27FC236}">
+                <a16:creationId xmlns:a16="http://schemas.microsoft.com/office/drawing/2014/main" id="{0D18CFD8-A0D6-9C47-AF25-BDA5A89AD24B}"/>
+              </a:ext>
+            </a:extLst>
+          </p:cNvPr>
+          <p:cNvSpPr/>
+          <p:nvPr/>
+        </p:nvSpPr>
+        <p:spPr>
+          <a:xfrm>
+            <a:off x="6410433" y="1440197"/>
+            <a:ext cx="2674189" cy="307258"/>
+          </a:xfrm>
+          <a:prstGeom prst="rect">
+            <a:avLst/>
+          </a:prstGeom>
+          <a:solidFill>
+            <a:srgbClr val="00B050"/>
+          </a:solidFill>
+          <a:ln w="19050">
+            <a:prstDash val="dash"/>
+          </a:ln>
+        </p:spPr>
+        <p:style>
+          <a:lnRef idx="2">
+            <a:schemeClr val="accent6"/>
+          </a:lnRef>
+          <a:fillRef idx="1">
+            <a:schemeClr val="lt1"/>
+          </a:fillRef>
+          <a:effectRef idx="0">
+            <a:schemeClr val="accent6"/>
+          </a:effectRef>
+          <a:fontRef idx="minor">
+            <a:schemeClr val="dk1"/>
+          </a:fontRef>
+        </p:style>
+        <p:txBody>
+          <a:bodyPr rtlCol="0" anchor="ctr"/>
+          <a:lstStyle/>
+          <a:p>
+            <a:pPr algn="ctr"/>
+            <a:r>
+              <a:rPr lang="en-GB" sz="1000" dirty="0"/>
+              <a:t>org.apache.logging.log4j:log4j-core:</a:t>
+            </a:r>
+            <a:r>
+              <a:rPr lang="en-GB" sz="1000" dirty="0">
+                <a:highlight>
+                  <a:srgbClr val="00FF00"/>
+                </a:highlight>
+              </a:rPr>
+              <a:t>2.17.0</a:t>
+            </a:r>
+          </a:p>
+        </p:txBody>
+      </p:sp>
+      <p:cxnSp>
+        <p:nvCxnSpPr>
+          <p:cNvPr id="33" name="Straight Connector 32">
+            <a:extLst>
+              <a:ext uri="{FF2B5EF4-FFF2-40B4-BE49-F238E27FC236}">
+                <a16:creationId xmlns:a16="http://schemas.microsoft.com/office/drawing/2014/main" id="{A191D8D6-7815-DD46-AB86-F89EEE8612F3}"/>
+              </a:ext>
+            </a:extLst>
+          </p:cNvPr>
+          <p:cNvCxnSpPr>
+            <a:cxnSpLocks/>
+            <a:stCxn id="9" idx="1"/>
+            <a:endCxn id="32" idx="3"/>
+          </p:cNvCxnSpPr>
+          <p:nvPr/>
+        </p:nvCxnSpPr>
+        <p:spPr>
+          <a:xfrm flipH="1" flipV="1">
+            <a:off x="9084622" y="1593826"/>
+            <a:ext cx="461933" cy="1"/>
+          </a:xfrm>
+          <a:prstGeom prst="line">
+            <a:avLst/>
+          </a:prstGeom>
+          <a:ln w="19050">
+            <a:solidFill>
+              <a:schemeClr val="tx1"/>
+            </a:solidFill>
+            <a:prstDash val="dash"/>
+          </a:ln>
+        </p:spPr>
+        <p:style>
+          <a:lnRef idx="1">
+            <a:schemeClr val="accent1"/>
+          </a:lnRef>
+          <a:fillRef idx="0">
+            <a:schemeClr val="accent1"/>
+          </a:fillRef>
+          <a:effectRef idx="0">
+            <a:schemeClr val="accent1"/>
+          </a:effectRef>
+          <a:fontRef idx="minor">
+            <a:schemeClr val="tx1"/>
+          </a:fontRef>
+        </p:style>
+      </p:cxnSp>
+      <p:sp>
+        <p:nvSpPr>
+          <p:cNvPr id="60" name="Card 59">
+            <a:extLst>
+              <a:ext uri="{FF2B5EF4-FFF2-40B4-BE49-F238E27FC236}">
+                <a16:creationId xmlns:a16="http://schemas.microsoft.com/office/drawing/2014/main" id="{73AA000B-37FC-B942-9CFE-15CA17FED0EA}"/>
+              </a:ext>
+            </a:extLst>
+          </p:cNvPr>
+          <p:cNvSpPr/>
+          <p:nvPr/>
+        </p:nvSpPr>
+        <p:spPr>
+          <a:xfrm>
+            <a:off x="8775421" y="2847751"/>
+            <a:ext cx="525170" cy="614515"/>
+          </a:xfrm>
+          <a:prstGeom prst="flowChartPunchedCard">
+            <a:avLst/>
+          </a:prstGeom>
+          <a:solidFill>
+            <a:srgbClr val="00B050"/>
+          </a:solidFill>
+        </p:spPr>
+        <p:style>
+          <a:lnRef idx="2">
+            <a:schemeClr val="accent6"/>
+          </a:lnRef>
+          <a:fillRef idx="1">
+            <a:schemeClr val="lt1"/>
+          </a:fillRef>
+          <a:effectRef idx="0">
+            <a:schemeClr val="accent6"/>
+          </a:effectRef>
+          <a:fontRef idx="minor">
+            <a:schemeClr val="dk1"/>
+          </a:fontRef>
+        </p:style>
+        <p:txBody>
+          <a:bodyPr rtlCol="0" anchor="ctr"/>
+          <a:lstStyle/>
+          <a:p>
+            <a:r>
+              <a:rPr lang="en-GB" sz="1200" b="1" dirty="0"/>
+              <a:t>………………………</a:t>
+            </a:r>
+          </a:p>
+        </p:txBody>
+      </p:sp>
+      <p:sp>
+        <p:nvSpPr>
+          <p:cNvPr id="61" name="Card 60">
+            <a:extLst>
+              <a:ext uri="{FF2B5EF4-FFF2-40B4-BE49-F238E27FC236}">
+                <a16:creationId xmlns:a16="http://schemas.microsoft.com/office/drawing/2014/main" id="{FEAAFEA2-14D2-1844-A80C-DC8076070A1B}"/>
+              </a:ext>
+            </a:extLst>
+          </p:cNvPr>
+          <p:cNvSpPr/>
+          <p:nvPr/>
+        </p:nvSpPr>
+        <p:spPr>
+          <a:xfrm>
+            <a:off x="10336178" y="2847752"/>
+            <a:ext cx="525170" cy="614515"/>
+          </a:xfrm>
+          <a:prstGeom prst="flowChartPunchedCard">
+            <a:avLst/>
+          </a:prstGeom>
+          <a:solidFill>
+            <a:srgbClr val="FF0000"/>
+          </a:solidFill>
+        </p:spPr>
+        <p:style>
+          <a:lnRef idx="2">
+            <a:schemeClr val="accent6"/>
+          </a:lnRef>
+          <a:fillRef idx="1">
+            <a:schemeClr val="lt1"/>
+          </a:fillRef>
+          <a:effectRef idx="0">
+            <a:schemeClr val="accent6"/>
+          </a:effectRef>
+          <a:fontRef idx="minor">
+            <a:schemeClr val="dk1"/>
+          </a:fontRef>
+        </p:style>
+        <p:txBody>
+          <a:bodyPr rtlCol="0" anchor="ctr"/>
+          <a:lstStyle/>
+          <a:p>
+            <a:r>
+              <a:rPr lang="en-GB" sz="1200" b="1" dirty="0"/>
+              <a:t>………………………</a:t>
+            </a:r>
+          </a:p>
+        </p:txBody>
+      </p:sp>
+      <p:cxnSp>
+        <p:nvCxnSpPr>
+          <p:cNvPr id="62" name="Elbow Connector 61">
+            <a:extLst>
+              <a:ext uri="{FF2B5EF4-FFF2-40B4-BE49-F238E27FC236}">
+                <a16:creationId xmlns:a16="http://schemas.microsoft.com/office/drawing/2014/main" id="{920AEBD0-983C-D347-8B2F-65E1B4E124B0}"/>
+              </a:ext>
+            </a:extLst>
+          </p:cNvPr>
+          <p:cNvCxnSpPr>
+            <a:cxnSpLocks/>
+            <a:stCxn id="60" idx="0"/>
+          </p:cNvCxnSpPr>
+          <p:nvPr/>
+        </p:nvCxnSpPr>
+        <p:spPr>
+          <a:xfrm rot="5400000" flipH="1" flipV="1">
+            <a:off x="8954656" y="1987927"/>
+            <a:ext cx="943175" cy="776474"/>
+          </a:xfrm>
+          <a:prstGeom prst="bentConnector3">
+            <a:avLst>
+              <a:gd name="adj1" fmla="val 50000"/>
+            </a:avLst>
+          </a:prstGeom>
+          <a:ln>
+            <a:solidFill>
+              <a:schemeClr val="tx1"/>
+            </a:solidFill>
+            <a:tailEnd type="triangle"/>
+          </a:ln>
+        </p:spPr>
+        <p:style>
+          <a:lnRef idx="1">
+            <a:schemeClr val="accent1"/>
+          </a:lnRef>
+          <a:fillRef idx="0">
+            <a:schemeClr val="accent1"/>
+          </a:fillRef>
+          <a:effectRef idx="0">
+            <a:schemeClr val="accent1"/>
+          </a:effectRef>
+          <a:fontRef idx="minor">
+            <a:schemeClr val="tx1"/>
+          </a:fontRef>
+        </p:style>
+      </p:cxnSp>
+      <p:cxnSp>
+        <p:nvCxnSpPr>
+          <p:cNvPr id="63" name="Elbow Connector 62">
+            <a:extLst>
+              <a:ext uri="{FF2B5EF4-FFF2-40B4-BE49-F238E27FC236}">
+                <a16:creationId xmlns:a16="http://schemas.microsoft.com/office/drawing/2014/main" id="{A2702B7F-CE28-4F43-A86F-F3420A19FBE2}"/>
+              </a:ext>
+            </a:extLst>
+          </p:cNvPr>
+          <p:cNvCxnSpPr>
+            <a:endCxn id="61" idx="0"/>
+          </p:cNvCxnSpPr>
+          <p:nvPr/>
+        </p:nvCxnSpPr>
+        <p:spPr>
+          <a:xfrm rot="16200000" flipH="1">
+            <a:off x="9735033" y="1984022"/>
+            <a:ext cx="943176" cy="784283"/>
+          </a:xfrm>
+          <a:prstGeom prst="bentConnector3">
+            <a:avLst/>
+          </a:prstGeom>
+          <a:ln>
+            <a:solidFill>
+              <a:schemeClr val="tx1"/>
+            </a:solidFill>
+          </a:ln>
+        </p:spPr>
+        <p:style>
+          <a:lnRef idx="1">
+            <a:schemeClr val="accent1"/>
+          </a:lnRef>
+          <a:fillRef idx="0">
+            <a:schemeClr val="accent1"/>
+          </a:fillRef>
+          <a:effectRef idx="0">
+            <a:schemeClr val="accent1"/>
+          </a:effectRef>
+          <a:fontRef idx="minor">
+            <a:schemeClr val="tx1"/>
+          </a:fontRef>
+        </p:style>
+      </p:cxnSp>
+      <p:sp>
+        <p:nvSpPr>
+          <p:cNvPr id="67" name="Rectangle 66">
+            <a:extLst>
+              <a:ext uri="{FF2B5EF4-FFF2-40B4-BE49-F238E27FC236}">
+                <a16:creationId xmlns:a16="http://schemas.microsoft.com/office/drawing/2014/main" id="{DE15142C-15D8-AF4A-8774-1A5E8D33341D}"/>
+              </a:ext>
+            </a:extLst>
+          </p:cNvPr>
+          <p:cNvSpPr/>
+          <p:nvPr/>
+        </p:nvSpPr>
+        <p:spPr>
+          <a:xfrm>
+            <a:off x="8999083" y="3919347"/>
+            <a:ext cx="2674189" cy="307258"/>
+          </a:xfrm>
+          <a:prstGeom prst="rect">
+            <a:avLst/>
+          </a:prstGeom>
+          <a:solidFill>
+            <a:srgbClr val="C00000"/>
+          </a:solidFill>
+          <a:ln w="19050">
+            <a:prstDash val="dash"/>
+          </a:ln>
+        </p:spPr>
+        <p:style>
+          <a:lnRef idx="2">
+            <a:schemeClr val="accent6"/>
+          </a:lnRef>
+          <a:fillRef idx="1">
+            <a:schemeClr val="lt1"/>
+          </a:fillRef>
+          <a:effectRef idx="0">
+            <a:schemeClr val="accent6"/>
+          </a:effectRef>
+          <a:fontRef idx="minor">
+            <a:schemeClr val="dk1"/>
+          </a:fontRef>
+        </p:style>
+        <p:txBody>
+          <a:bodyPr rtlCol="0" anchor="ctr"/>
+          <a:lstStyle/>
+          <a:p>
+            <a:pPr algn="ctr"/>
+            <a:r>
+              <a:rPr lang="en-GB" sz="1000" dirty="0"/>
+              <a:t>org.apache.logging.log4j:log4j-core:</a:t>
+            </a:r>
+            <a:r>
+              <a:rPr lang="en-GB" sz="1000" dirty="0">
+                <a:highlight>
+                  <a:srgbClr val="FF0000"/>
+                </a:highlight>
+              </a:rPr>
+              <a:t>2.13.0</a:t>
+            </a:r>
+          </a:p>
+        </p:txBody>
+      </p:sp>
+      <p:cxnSp>
+        <p:nvCxnSpPr>
+          <p:cNvPr id="68" name="Straight Connector 67">
+            <a:extLst>
+              <a:ext uri="{FF2B5EF4-FFF2-40B4-BE49-F238E27FC236}">
+                <a16:creationId xmlns:a16="http://schemas.microsoft.com/office/drawing/2014/main" id="{72B3FADF-5BCD-584C-A8AD-70332DA472F6}"/>
+              </a:ext>
+            </a:extLst>
+          </p:cNvPr>
+          <p:cNvCxnSpPr>
+            <a:cxnSpLocks/>
+            <a:endCxn id="67" idx="0"/>
+          </p:cNvCxnSpPr>
+          <p:nvPr/>
+        </p:nvCxnSpPr>
+        <p:spPr>
+          <a:xfrm flipH="1">
+            <a:off x="10336178" y="3470726"/>
+            <a:ext cx="224263" cy="448621"/>
+          </a:xfrm>
+          <a:prstGeom prst="line">
+            <a:avLst/>
+          </a:prstGeom>
+          <a:ln w="19050">
+            <a:solidFill>
+              <a:schemeClr val="tx1"/>
+            </a:solidFill>
+            <a:prstDash val="dash"/>
+          </a:ln>
+        </p:spPr>
+        <p:style>
+          <a:lnRef idx="1">
+            <a:schemeClr val="accent1"/>
+          </a:lnRef>
+          <a:fillRef idx="0">
+            <a:schemeClr val="accent1"/>
+          </a:fillRef>
+          <a:effectRef idx="0">
+            <a:schemeClr val="accent1"/>
+          </a:effectRef>
+          <a:fontRef idx="minor">
+            <a:schemeClr val="tx1"/>
+          </a:fontRef>
+        </p:style>
+      </p:cxnSp>
+      <p:sp>
+        <p:nvSpPr>
+          <p:cNvPr id="69" name="Rectangle 68">
+            <a:extLst>
+              <a:ext uri="{FF2B5EF4-FFF2-40B4-BE49-F238E27FC236}">
+                <a16:creationId xmlns:a16="http://schemas.microsoft.com/office/drawing/2014/main" id="{234B63FB-7F2E-0348-8CB7-60E1B5D84588}"/>
+              </a:ext>
+            </a:extLst>
+          </p:cNvPr>
+          <p:cNvSpPr/>
+          <p:nvPr/>
+        </p:nvSpPr>
+        <p:spPr>
+          <a:xfrm>
+            <a:off x="6992295" y="5144571"/>
+            <a:ext cx="2674189" cy="307258"/>
+          </a:xfrm>
+          <a:prstGeom prst="rect">
+            <a:avLst/>
+          </a:prstGeom>
+          <a:solidFill>
+            <a:srgbClr val="00B050"/>
+          </a:solidFill>
+          <a:ln w="19050">
+            <a:prstDash val="dash"/>
+          </a:ln>
+        </p:spPr>
+        <p:style>
+          <a:lnRef idx="2">
+            <a:schemeClr val="accent6"/>
+          </a:lnRef>
+          <a:fillRef idx="1">
+            <a:schemeClr val="lt1"/>
+          </a:fillRef>
+          <a:effectRef idx="0">
+            <a:schemeClr val="accent6"/>
+          </a:effectRef>
+          <a:fontRef idx="minor">
+            <a:schemeClr val="dk1"/>
+          </a:fontRef>
+        </p:style>
+        <p:txBody>
+          <a:bodyPr rtlCol="0" anchor="ctr"/>
+          <a:lstStyle/>
+          <a:p>
+            <a:pPr algn="ctr"/>
+            <a:r>
+              <a:rPr lang="en-GB" sz="1000" dirty="0"/>
+              <a:t>org.apache.logging.log4j:log4j-core:</a:t>
+            </a:r>
+            <a:r>
+              <a:rPr lang="en-GB" sz="1000" dirty="0">
+                <a:highlight>
+                  <a:srgbClr val="00FF00"/>
+                </a:highlight>
+              </a:rPr>
+              <a:t>2.17.1</a:t>
+            </a:r>
+          </a:p>
+        </p:txBody>
+      </p:sp>
+      <p:cxnSp>
+        <p:nvCxnSpPr>
+          <p:cNvPr id="70" name="Straight Connector 69">
+            <a:extLst>
+              <a:ext uri="{FF2B5EF4-FFF2-40B4-BE49-F238E27FC236}">
+                <a16:creationId xmlns:a16="http://schemas.microsoft.com/office/drawing/2014/main" id="{D79A8F7C-E53F-9C45-B059-C29A28632F57}"/>
+              </a:ext>
+            </a:extLst>
+          </p:cNvPr>
+          <p:cNvCxnSpPr>
+            <a:cxnSpLocks/>
+            <a:stCxn id="60" idx="2"/>
+            <a:endCxn id="69" idx="0"/>
+          </p:cNvCxnSpPr>
+          <p:nvPr/>
+        </p:nvCxnSpPr>
+        <p:spPr>
+          <a:xfrm flipH="1">
+            <a:off x="8329390" y="3462266"/>
+            <a:ext cx="708616" cy="1682305"/>
+          </a:xfrm>
+          <a:prstGeom prst="line">
+            <a:avLst/>
+          </a:prstGeom>
+          <a:ln w="19050">
+            <a:solidFill>
+              <a:schemeClr val="tx1"/>
+            </a:solidFill>
+            <a:prstDash val="dash"/>
+          </a:ln>
+        </p:spPr>
+        <p:style>
+          <a:lnRef idx="1">
+            <a:schemeClr val="accent1"/>
+          </a:lnRef>
+          <a:fillRef idx="0">
+            <a:schemeClr val="accent1"/>
+          </a:fillRef>
+          <a:effectRef idx="0">
+            <a:schemeClr val="accent1"/>
+          </a:effectRef>
+          <a:fontRef idx="minor">
+            <a:schemeClr val="tx1"/>
+          </a:fontRef>
+        </p:style>
+      </p:cxnSp>
+      <p:sp>
+        <p:nvSpPr>
+          <p:cNvPr id="74" name="Rectangle 73">
+            <a:extLst>
+              <a:ext uri="{FF2B5EF4-FFF2-40B4-BE49-F238E27FC236}">
+                <a16:creationId xmlns:a16="http://schemas.microsoft.com/office/drawing/2014/main" id="{22EA6BE2-5627-6140-87F1-BB9E736A1244}"/>
+              </a:ext>
+            </a:extLst>
+          </p:cNvPr>
+          <p:cNvSpPr/>
+          <p:nvPr/>
+        </p:nvSpPr>
+        <p:spPr>
+          <a:xfrm>
+            <a:off x="10474296" y="1228869"/>
+            <a:ext cx="1276710" cy="729916"/>
+          </a:xfrm>
+          <a:prstGeom prst="rect">
+            <a:avLst/>
+          </a:prstGeom>
+        </p:spPr>
+        <p:style>
+          <a:lnRef idx="2">
+            <a:schemeClr val="accent6"/>
+          </a:lnRef>
+          <a:fillRef idx="1">
+            <a:schemeClr val="lt1"/>
+          </a:fillRef>
+          <a:effectRef idx="0">
+            <a:schemeClr val="accent6"/>
+          </a:effectRef>
+          <a:fontRef idx="minor">
+            <a:schemeClr val="dk1"/>
+          </a:fontRef>
+        </p:style>
+        <p:txBody>
+          <a:bodyPr rtlCol="0" anchor="ctr"/>
+          <a:lstStyle/>
+          <a:p>
+            <a:pPr algn="ctr"/>
+            <a:endParaRPr lang="en-GB" sz="1600" b="1" i="1" dirty="0"/>
+          </a:p>
+          <a:p>
+            <a:pPr algn="ctr"/>
+            <a:r>
+              <a:rPr lang="en-GB" sz="1600" b="1" i="1" dirty="0"/>
+              <a:t>Enforcer</a:t>
+            </a:r>
+          </a:p>
+        </p:txBody>
+      </p:sp>
       <p:pic>
         <p:nvPicPr>
-          <p:cNvPr id="3" name="Picture 2" descr="Diagram&#10;&#10;Description automatically generated">
-            <a:extLst>
-              <a:ext uri="{FF2B5EF4-FFF2-40B4-BE49-F238E27FC236}">
-                <a16:creationId xmlns:a16="http://schemas.microsoft.com/office/drawing/2014/main" id="{D30F4A9E-4DCD-B441-9CFC-54E1ECD614DA}"/>
+          <p:cNvPr id="75" name="Picture 74" descr="A firework in the sky&#10;&#10;Description automatically generated with low confidence">
+            <a:extLst>
+              <a:ext uri="{FF2B5EF4-FFF2-40B4-BE49-F238E27FC236}">
+                <a16:creationId xmlns:a16="http://schemas.microsoft.com/office/drawing/2014/main" id="{9F9686EA-D8EE-BA4E-850E-05F5F6DDE4A4}"/>
               </a:ext>
             </a:extLst>
           </p:cNvPr>
@@ -12901,18 +12803,218 @@
         </p:blipFill>
         <p:spPr>
           <a:xfrm>
-            <a:off x="3018133" y="317395"/>
-            <a:ext cx="5945038" cy="5945038"/>
+            <a:off x="10723476" y="1384861"/>
+            <a:ext cx="874576" cy="218644"/>
           </a:xfrm>
           <a:prstGeom prst="rect">
             <a:avLst/>
           </a:prstGeom>
         </p:spPr>
       </p:pic>
+      <p:cxnSp>
+        <p:nvCxnSpPr>
+          <p:cNvPr id="76" name="Straight Connector 75">
+            <a:extLst>
+              <a:ext uri="{FF2B5EF4-FFF2-40B4-BE49-F238E27FC236}">
+                <a16:creationId xmlns:a16="http://schemas.microsoft.com/office/drawing/2014/main" id="{D9A19C71-ADFF-A445-8CF7-EA55026FBCFD}"/>
+              </a:ext>
+            </a:extLst>
+          </p:cNvPr>
+          <p:cNvCxnSpPr>
+            <a:cxnSpLocks/>
+            <a:stCxn id="74" idx="1"/>
+            <a:endCxn id="9" idx="3"/>
+          </p:cNvCxnSpPr>
+          <p:nvPr/>
+        </p:nvCxnSpPr>
+        <p:spPr>
+          <a:xfrm flipH="1">
+            <a:off x="10071725" y="1593827"/>
+            <a:ext cx="402571" cy="0"/>
+          </a:xfrm>
+          <a:prstGeom prst="line">
+            <a:avLst/>
+          </a:prstGeom>
+          <a:ln w="19050">
+            <a:solidFill>
+              <a:schemeClr val="tx1"/>
+            </a:solidFill>
+            <a:prstDash val="dash"/>
+          </a:ln>
+        </p:spPr>
+        <p:style>
+          <a:lnRef idx="1">
+            <a:schemeClr val="accent1"/>
+          </a:lnRef>
+          <a:fillRef idx="0">
+            <a:schemeClr val="accent1"/>
+          </a:fillRef>
+          <a:effectRef idx="0">
+            <a:schemeClr val="accent1"/>
+          </a:effectRef>
+          <a:fontRef idx="minor">
+            <a:schemeClr val="tx1"/>
+          </a:fontRef>
+        </p:style>
+      </p:cxnSp>
+      <p:cxnSp>
+        <p:nvCxnSpPr>
+          <p:cNvPr id="80" name="Straight Connector 79">
+            <a:extLst>
+              <a:ext uri="{FF2B5EF4-FFF2-40B4-BE49-F238E27FC236}">
+                <a16:creationId xmlns:a16="http://schemas.microsoft.com/office/drawing/2014/main" id="{33042976-6A9B-8642-A9A0-8563B1BE8137}"/>
+              </a:ext>
+            </a:extLst>
+          </p:cNvPr>
+          <p:cNvCxnSpPr>
+            <a:cxnSpLocks/>
+            <a:stCxn id="6" idx="2"/>
+            <a:endCxn id="12" idx="0"/>
+          </p:cNvCxnSpPr>
+          <p:nvPr/>
+        </p:nvCxnSpPr>
+        <p:spPr>
+          <a:xfrm flipH="1" flipV="1">
+            <a:off x="6096000" y="1166842"/>
+            <a:ext cx="23930" cy="4579979"/>
+          </a:xfrm>
+          <a:prstGeom prst="line">
+            <a:avLst/>
+          </a:prstGeom>
+          <a:ln w="19050">
+            <a:solidFill>
+              <a:schemeClr val="tx1"/>
+            </a:solidFill>
+            <a:prstDash val="sysDot"/>
+          </a:ln>
+        </p:spPr>
+        <p:style>
+          <a:lnRef idx="1">
+            <a:schemeClr val="accent1"/>
+          </a:lnRef>
+          <a:fillRef idx="0">
+            <a:schemeClr val="accent1"/>
+          </a:fillRef>
+          <a:effectRef idx="0">
+            <a:schemeClr val="accent1"/>
+          </a:effectRef>
+          <a:fontRef idx="minor">
+            <a:schemeClr val="tx1"/>
+          </a:fontRef>
+        </p:style>
+      </p:cxnSp>
+      <p:sp>
+        <p:nvSpPr>
+          <p:cNvPr id="83" name="&quot;No&quot; Symbol 82">
+            <a:extLst>
+              <a:ext uri="{FF2B5EF4-FFF2-40B4-BE49-F238E27FC236}">
+                <a16:creationId xmlns:a16="http://schemas.microsoft.com/office/drawing/2014/main" id="{9EAE932C-385C-AC47-AEE3-145504CC04CB}"/>
+              </a:ext>
+            </a:extLst>
+          </p:cNvPr>
+          <p:cNvSpPr/>
+          <p:nvPr/>
+        </p:nvSpPr>
+        <p:spPr>
+          <a:xfrm>
+            <a:off x="4433977" y="2458528"/>
+            <a:ext cx="1076471" cy="1012198"/>
+          </a:xfrm>
+          <a:prstGeom prst="noSmoking">
+            <a:avLst/>
+          </a:prstGeom>
+          <a:solidFill>
+            <a:srgbClr val="FF0000"/>
+          </a:solidFill>
+          <a:ln>
+            <a:solidFill>
+              <a:schemeClr val="tx1"/>
+            </a:solidFill>
+          </a:ln>
+        </p:spPr>
+        <p:style>
+          <a:lnRef idx="2">
+            <a:schemeClr val="accent6"/>
+          </a:lnRef>
+          <a:fillRef idx="1">
+            <a:schemeClr val="lt1"/>
+          </a:fillRef>
+          <a:effectRef idx="0">
+            <a:schemeClr val="accent6"/>
+          </a:effectRef>
+          <a:fontRef idx="minor">
+            <a:schemeClr val="dk1"/>
+          </a:fontRef>
+        </p:style>
+        <p:txBody>
+          <a:bodyPr rtlCol="0" anchor="ctr"/>
+          <a:lstStyle/>
+          <a:p>
+            <a:pPr algn="ctr"/>
+            <a:endParaRPr lang="en-GB">
+              <a:solidFill>
+                <a:schemeClr val="tx1"/>
+              </a:solidFill>
+            </a:endParaRPr>
+          </a:p>
+        </p:txBody>
+      </p:sp>
+      <p:sp>
+        <p:nvSpPr>
+          <p:cNvPr id="84" name="Smiley Face 83">
+            <a:extLst>
+              <a:ext uri="{FF2B5EF4-FFF2-40B4-BE49-F238E27FC236}">
+                <a16:creationId xmlns:a16="http://schemas.microsoft.com/office/drawing/2014/main" id="{6AD48125-7E61-A24E-B8AC-0FF759844C9C}"/>
+              </a:ext>
+            </a:extLst>
+          </p:cNvPr>
+          <p:cNvSpPr/>
+          <p:nvPr/>
+        </p:nvSpPr>
+        <p:spPr>
+          <a:xfrm>
+            <a:off x="6355021" y="2458528"/>
+            <a:ext cx="1006635" cy="934734"/>
+          </a:xfrm>
+          <a:prstGeom prst="smileyFace">
+            <a:avLst/>
+          </a:prstGeom>
+          <a:solidFill>
+            <a:srgbClr val="00B050"/>
+          </a:solidFill>
+          <a:ln>
+            <a:solidFill>
+              <a:schemeClr val="tx1"/>
+            </a:solidFill>
+          </a:ln>
+        </p:spPr>
+        <p:style>
+          <a:lnRef idx="2">
+            <a:schemeClr val="accent6"/>
+          </a:lnRef>
+          <a:fillRef idx="1">
+            <a:schemeClr val="lt1"/>
+          </a:fillRef>
+          <a:effectRef idx="0">
+            <a:schemeClr val="accent6"/>
+          </a:effectRef>
+          <a:fontRef idx="minor">
+            <a:schemeClr val="dk1"/>
+          </a:fontRef>
+        </p:style>
+        <p:txBody>
+          <a:bodyPr rtlCol="0" anchor="ctr"/>
+          <a:lstStyle/>
+          <a:p>
+            <a:pPr algn="ctr"/>
+            <a:endParaRPr lang="en-GB"/>
+          </a:p>
+        </p:txBody>
+      </p:sp>
     </p:spTree>
     <p:extLst>
       <p:ext uri="{BB962C8B-B14F-4D97-AF65-F5344CB8AC3E}">
-        <p14:creationId xmlns:p14="http://schemas.microsoft.com/office/powerpoint/2010/main" val="2409400845"/>
+        <p14:creationId xmlns:p14="http://schemas.microsoft.com/office/powerpoint/2010/main" val="1089483639"/>
       </p:ext>
     </p:extLst>
   </p:cSld>
